--- a/Challenge 0/Topic1 Top-down Approach/Topic1_Challenge0_Presentation.pptx
+++ b/Challenge 0/Topic1 Top-down Approach/Topic1_Challenge0_Presentation.pptx
@@ -1,124 +1,32 @@
 
 <file path=ppt/presentation.xml><?xml version="1.0" encoding="utf-8"?>
-<p:presentation xmlns:a="http://schemas.openxmlformats.org/drawingml/2006/main" xmlns:r="http://schemas.openxmlformats.org/officeDocument/2006/relationships" xmlns:p="http://schemas.openxmlformats.org/presentationml/2006/main" saveSubsetFonts="1" embedTrueTypeFonts="true">
+<p:presentation xmlns:a="http://schemas.openxmlformats.org/drawingml/2006/main" xmlns:r="http://schemas.openxmlformats.org/officeDocument/2006/relationships" xmlns:p="http://schemas.openxmlformats.org/presentationml/2006/main" embedTrueTypeFonts="1" saveSubsetFonts="1">
   <p:sldMasterIdLst>
     <p:sldMasterId id="2147483648" r:id="rId1"/>
   </p:sldMasterIdLst>
   <p:sldIdLst>
-    <p:sldId id="256" r:id="rId32"/>
-    <p:sldId id="257" r:id="rId33"/>
-    <p:sldId id="258" r:id="rId34"/>
-    <p:sldId id="259" r:id="rId35"/>
-    <p:sldId id="260" r:id="rId36"/>
-    <p:sldId id="261" r:id="rId37"/>
-    <p:sldId id="262" r:id="rId38"/>
+    <p:sldId id="256" r:id="rId2"/>
+    <p:sldId id="257" r:id="rId3"/>
+    <p:sldId id="258" r:id="rId4"/>
+    <p:sldId id="259" r:id="rId5"/>
+    <p:sldId id="260" r:id="rId6"/>
+    <p:sldId id="261" r:id="rId7"/>
+    <p:sldId id="262" r:id="rId8"/>
   </p:sldIdLst>
   <p:sldSz cx="18288000" cy="10287000"/>
   <p:notesSz cx="6858000" cy="9144000"/>
   <p:embeddedFontLst>
     <p:embeddedFont>
-      <p:font typeface="Arimo" charset="1" panose="020B0604020202020204"/>
-      <p:regular r:id="rId6"/>
-    </p:embeddedFont>
-    <p:embeddedFont>
-      <p:font typeface="Arimo Bold" charset="1" panose="020B0704020202020204"/>
-      <p:regular r:id="rId7"/>
-    </p:embeddedFont>
-    <p:embeddedFont>
-      <p:font typeface="Arimo Italics" charset="1" panose="020B0604020202090204"/>
-      <p:regular r:id="rId8"/>
-    </p:embeddedFont>
-    <p:embeddedFont>
-      <p:font typeface="Arimo Bold Italics" charset="1" panose="020B0704020202090204"/>
+      <p:font typeface="Cabin" panose="020B0604020202020204" charset="0"/>
       <p:regular r:id="rId9"/>
     </p:embeddedFont>
     <p:embeddedFont>
-      <p:font typeface="Cabin" charset="1" panose="00000500000000000000"/>
+      <p:font typeface="Cabin Bold" panose="020B0604020202020204" charset="0"/>
       <p:regular r:id="rId10"/>
     </p:embeddedFont>
     <p:embeddedFont>
-      <p:font typeface="Cabin Bold" charset="1" panose="00000800000000000000"/>
+      <p:font typeface="Muli Bold" panose="020B0604020202020204" charset="0"/>
       <p:regular r:id="rId11"/>
-    </p:embeddedFont>
-    <p:embeddedFont>
-      <p:font typeface="Cabin Italics" charset="1" panose="00000500000000000000"/>
-      <p:regular r:id="rId12"/>
-    </p:embeddedFont>
-    <p:embeddedFont>
-      <p:font typeface="Cabin Bold Italics" charset="1" panose="00000800000000000000"/>
-      <p:regular r:id="rId13"/>
-    </p:embeddedFont>
-    <p:embeddedFont>
-      <p:font typeface="Cabin Medium" charset="1" panose="00000600000000000000"/>
-      <p:regular r:id="rId14"/>
-    </p:embeddedFont>
-    <p:embeddedFont>
-      <p:font typeface="Cabin Medium Italics" charset="1" panose="00000600000000000000"/>
-      <p:regular r:id="rId15"/>
-    </p:embeddedFont>
-    <p:embeddedFont>
-      <p:font typeface="Cabin Semi-Bold" charset="1" panose="00000700000000000000"/>
-      <p:regular r:id="rId16"/>
-    </p:embeddedFont>
-    <p:embeddedFont>
-      <p:font typeface="Cabin Semi-Bold Italics" charset="1" panose="00000700000000000000"/>
-      <p:regular r:id="rId17"/>
-    </p:embeddedFont>
-    <p:embeddedFont>
-      <p:font typeface="Muli" charset="1" panose="00000500000000000000"/>
-      <p:regular r:id="rId18"/>
-    </p:embeddedFont>
-    <p:embeddedFont>
-      <p:font typeface="Muli Bold" charset="1" panose="00000800000000000000"/>
-      <p:regular r:id="rId19"/>
-    </p:embeddedFont>
-    <p:embeddedFont>
-      <p:font typeface="Muli Italics" charset="1" panose="00000500000000000000"/>
-      <p:regular r:id="rId20"/>
-    </p:embeddedFont>
-    <p:embeddedFont>
-      <p:font typeface="Muli Bold Italics" charset="1" panose="00000800000000000000"/>
-      <p:regular r:id="rId21"/>
-    </p:embeddedFont>
-    <p:embeddedFont>
-      <p:font typeface="Muli Extra-Light" charset="1" panose="00000300000000000000"/>
-      <p:regular r:id="rId22"/>
-    </p:embeddedFont>
-    <p:embeddedFont>
-      <p:font typeface="Muli Extra-Light Italics" charset="1" panose="00000300000000000000"/>
-      <p:regular r:id="rId23"/>
-    </p:embeddedFont>
-    <p:embeddedFont>
-      <p:font typeface="Muli Light" charset="1" panose="00000400000000000000"/>
-      <p:regular r:id="rId24"/>
-    </p:embeddedFont>
-    <p:embeddedFont>
-      <p:font typeface="Muli Light Italics" charset="1" panose="00000400000000000000"/>
-      <p:regular r:id="rId25"/>
-    </p:embeddedFont>
-    <p:embeddedFont>
-      <p:font typeface="Muli Semi-Bold" charset="1" panose="00000700000000000000"/>
-      <p:regular r:id="rId26"/>
-    </p:embeddedFont>
-    <p:embeddedFont>
-      <p:font typeface="Muli Semi-Bold Italics" charset="1" panose="00000700000000000000"/>
-      <p:regular r:id="rId27"/>
-    </p:embeddedFont>
-    <p:embeddedFont>
-      <p:font typeface="Muli Ultra-Bold" charset="1" panose="00000900000000000000"/>
-      <p:regular r:id="rId28"/>
-    </p:embeddedFont>
-    <p:embeddedFont>
-      <p:font typeface="Muli Ultra-Bold Italics" charset="1" panose="00000900000000000000"/>
-      <p:regular r:id="rId29"/>
-    </p:embeddedFont>
-    <p:embeddedFont>
-      <p:font typeface="Muli Heavy" charset="1" panose="00000A00000000000000"/>
-      <p:regular r:id="rId30"/>
-    </p:embeddedFont>
-    <p:embeddedFont>
-      <p:font typeface="Muli Heavy Italics" charset="1" panose="00000A00000000000000"/>
-      <p:regular r:id="rId31"/>
     </p:embeddedFont>
   </p:embeddedFontLst>
   <p:defaultTextStyle>
@@ -216,7 +124,52 @@
       </a:defRPr>
     </a:lvl9pPr>
   </p:defaultTextStyle>
+  <p:extLst>
+    <p:ext uri="{EFAFB233-063F-42B5-8137-9DF3F51BA10A}">
+      <p15:sldGuideLst xmlns:p15="http://schemas.microsoft.com/office/powerpoint/2012/main">
+        <p15:guide id="1" orient="horz" pos="2160">
+          <p15:clr>
+            <a:srgbClr val="A4A3A4"/>
+          </p15:clr>
+        </p15:guide>
+        <p15:guide id="2" pos="2880">
+          <p15:clr>
+            <a:srgbClr val="A4A3A4"/>
+          </p15:clr>
+        </p15:guide>
+      </p15:sldGuideLst>
+    </p:ext>
+  </p:extLst>
 </p:presentation>
+</file>
+
+<file path=ppt/changesInfos/changesInfo1.xml><?xml version="1.0" encoding="utf-8"?>
+<pc:chgInfo xmlns:a="http://schemas.openxmlformats.org/drawingml/2006/main" xmlns:r="http://schemas.openxmlformats.org/officeDocument/2006/relationships" xmlns:ac="http://schemas.microsoft.com/office/drawing/2013/main/command" xmlns:pc="http://schemas.microsoft.com/office/powerpoint/2013/main/command">
+  <pc:docChgLst>
+    <pc:chgData name="Thanh Trịnh" userId="cd0e9ecde8d843db" providerId="LiveId" clId="{4B223C79-A353-43FC-AFA2-1B551089F5E6}"/>
+    <pc:docChg chg="modSld">
+      <pc:chgData name="Thanh Trịnh" userId="cd0e9ecde8d843db" providerId="LiveId" clId="{4B223C79-A353-43FC-AFA2-1B551089F5E6}" dt="2024-01-24T13:50:54.321" v="12" actId="20577"/>
+      <pc:docMkLst>
+        <pc:docMk/>
+      </pc:docMkLst>
+      <pc:sldChg chg="modSp mod">
+        <pc:chgData name="Thanh Trịnh" userId="cd0e9ecde8d843db" providerId="LiveId" clId="{4B223C79-A353-43FC-AFA2-1B551089F5E6}" dt="2024-01-24T13:50:54.321" v="12" actId="20577"/>
+        <pc:sldMkLst>
+          <pc:docMk/>
+          <pc:sldMk cId="0" sldId="262"/>
+        </pc:sldMkLst>
+        <pc:spChg chg="mod">
+          <ac:chgData name="Thanh Trịnh" userId="cd0e9ecde8d843db" providerId="LiveId" clId="{4B223C79-A353-43FC-AFA2-1B551089F5E6}" dt="2024-01-24T13:50:54.321" v="12" actId="20577"/>
+          <ac:spMkLst>
+            <pc:docMk/>
+            <pc:sldMk cId="0" sldId="262"/>
+            <ac:spMk id="8" creationId="{00000000-0000-0000-0000-000000000000}"/>
+          </ac:spMkLst>
+        </pc:spChg>
+      </pc:sldChg>
+    </pc:docChg>
+  </pc:docChgLst>
+</pc:chgInfo>
 </file>
 
 <file path=ppt/slideLayouts/slideLayout1.xml><?xml version="1.0" encoding="utf-8"?>
@@ -257,10 +210,9 @@
           <a:lstStyle/>
           <a:p>
             <a:r>
-              <a:rPr lang="en-US" smtClean="0"/>
+              <a:rPr lang="en-US"/>
               <a:t>Click to edit Master title style</a:t>
             </a:r>
-            <a:endParaRPr lang="en-US"/>
           </a:p>
         </p:txBody>
       </p:sp>
@@ -376,10 +328,9 @@
           </a:lstStyle>
           <a:p>
             <a:r>
-              <a:rPr lang="en-US" smtClean="0"/>
+              <a:rPr lang="en-US"/>
               <a:t>Click to edit Master subtitle style</a:t>
             </a:r>
-            <a:endParaRPr lang="en-US"/>
           </a:p>
         </p:txBody>
       </p:sp>
@@ -401,7 +352,7 @@
             <a:fld id="{1D8BD707-D9CF-40AE-B4C6-C98DA3205C09}" type="datetimeFigureOut">
               <a:rPr lang="en-US" smtClean="0"/>
               <a:pPr/>
-              <a:t>8/1/2011</a:t>
+              <a:t>1/24/2024</a:t>
             </a:fld>
             <a:endParaRPr lang="en-US"/>
           </a:p>
@@ -491,10 +442,9 @@
           <a:lstStyle/>
           <a:p>
             <a:r>
-              <a:rPr lang="en-US" smtClean="0"/>
+              <a:rPr lang="en-US"/>
               <a:t>Click to edit Master title style</a:t>
             </a:r>
-            <a:endParaRPr lang="en-US"/>
           </a:p>
         </p:txBody>
       </p:sp>
@@ -515,38 +465,37 @@
           <a:p>
             <a:pPr lvl="0"/>
             <a:r>
-              <a:rPr lang="en-US" smtClean="0"/>
+              <a:rPr lang="en-US"/>
               <a:t>Click to edit Master text styles</a:t>
             </a:r>
           </a:p>
           <a:p>
             <a:pPr lvl="1"/>
             <a:r>
-              <a:rPr lang="en-US" smtClean="0"/>
+              <a:rPr lang="en-US"/>
               <a:t>Second level</a:t>
             </a:r>
           </a:p>
           <a:p>
             <a:pPr lvl="2"/>
             <a:r>
-              <a:rPr lang="en-US" smtClean="0"/>
+              <a:rPr lang="en-US"/>
               <a:t>Third level</a:t>
             </a:r>
           </a:p>
           <a:p>
             <a:pPr lvl="3"/>
             <a:r>
-              <a:rPr lang="en-US" smtClean="0"/>
+              <a:rPr lang="en-US"/>
               <a:t>Fourth level</a:t>
             </a:r>
           </a:p>
           <a:p>
             <a:pPr lvl="4"/>
             <a:r>
-              <a:rPr lang="en-US" smtClean="0"/>
+              <a:rPr lang="en-US"/>
               <a:t>Fifth level</a:t>
             </a:r>
-            <a:endParaRPr lang="en-US"/>
           </a:p>
         </p:txBody>
       </p:sp>
@@ -568,7 +517,7 @@
             <a:fld id="{1D8BD707-D9CF-40AE-B4C6-C98DA3205C09}" type="datetimeFigureOut">
               <a:rPr lang="en-US" smtClean="0"/>
               <a:pPr/>
-              <a:t>8/1/2011</a:t>
+              <a:t>1/24/2024</a:t>
             </a:fld>
             <a:endParaRPr lang="en-US"/>
           </a:p>
@@ -663,10 +612,9 @@
           <a:lstStyle/>
           <a:p>
             <a:r>
-              <a:rPr lang="en-US" smtClean="0"/>
+              <a:rPr lang="en-US"/>
               <a:t>Click to edit Master title style</a:t>
             </a:r>
-            <a:endParaRPr lang="en-US"/>
           </a:p>
         </p:txBody>
       </p:sp>
@@ -692,38 +640,37 @@
           <a:p>
             <a:pPr lvl="0"/>
             <a:r>
-              <a:rPr lang="en-US" smtClean="0"/>
+              <a:rPr lang="en-US"/>
               <a:t>Click to edit Master text styles</a:t>
             </a:r>
           </a:p>
           <a:p>
             <a:pPr lvl="1"/>
             <a:r>
-              <a:rPr lang="en-US" smtClean="0"/>
+              <a:rPr lang="en-US"/>
               <a:t>Second level</a:t>
             </a:r>
           </a:p>
           <a:p>
             <a:pPr lvl="2"/>
             <a:r>
-              <a:rPr lang="en-US" smtClean="0"/>
+              <a:rPr lang="en-US"/>
               <a:t>Third level</a:t>
             </a:r>
           </a:p>
           <a:p>
             <a:pPr lvl="3"/>
             <a:r>
-              <a:rPr lang="en-US" smtClean="0"/>
+              <a:rPr lang="en-US"/>
               <a:t>Fourth level</a:t>
             </a:r>
           </a:p>
           <a:p>
             <a:pPr lvl="4"/>
             <a:r>
-              <a:rPr lang="en-US" smtClean="0"/>
+              <a:rPr lang="en-US"/>
               <a:t>Fifth level</a:t>
             </a:r>
-            <a:endParaRPr lang="en-US"/>
           </a:p>
         </p:txBody>
       </p:sp>
@@ -745,7 +692,7 @@
             <a:fld id="{1D8BD707-D9CF-40AE-B4C6-C98DA3205C09}" type="datetimeFigureOut">
               <a:rPr lang="en-US" smtClean="0"/>
               <a:pPr/>
-              <a:t>8/1/2011</a:t>
+              <a:t>1/24/2024</a:t>
             </a:fld>
             <a:endParaRPr lang="en-US"/>
           </a:p>
@@ -835,10 +782,9 @@
           <a:lstStyle/>
           <a:p>
             <a:r>
-              <a:rPr lang="en-US" smtClean="0"/>
+              <a:rPr lang="en-US"/>
               <a:t>Click to edit Master title style</a:t>
             </a:r>
-            <a:endParaRPr lang="en-US"/>
           </a:p>
         </p:txBody>
       </p:sp>
@@ -859,38 +805,37 @@
           <a:p>
             <a:pPr lvl="0"/>
             <a:r>
-              <a:rPr lang="en-US" smtClean="0"/>
+              <a:rPr lang="en-US"/>
               <a:t>Click to edit Master text styles</a:t>
             </a:r>
           </a:p>
           <a:p>
             <a:pPr lvl="1"/>
             <a:r>
-              <a:rPr lang="en-US" smtClean="0"/>
+              <a:rPr lang="en-US"/>
               <a:t>Second level</a:t>
             </a:r>
           </a:p>
           <a:p>
             <a:pPr lvl="2"/>
             <a:r>
-              <a:rPr lang="en-US" smtClean="0"/>
+              <a:rPr lang="en-US"/>
               <a:t>Third level</a:t>
             </a:r>
           </a:p>
           <a:p>
             <a:pPr lvl="3"/>
             <a:r>
-              <a:rPr lang="en-US" smtClean="0"/>
+              <a:rPr lang="en-US"/>
               <a:t>Fourth level</a:t>
             </a:r>
           </a:p>
           <a:p>
             <a:pPr lvl="4"/>
             <a:r>
-              <a:rPr lang="en-US" smtClean="0"/>
+              <a:rPr lang="en-US"/>
               <a:t>Fifth level</a:t>
             </a:r>
-            <a:endParaRPr lang="en-US"/>
           </a:p>
         </p:txBody>
       </p:sp>
@@ -912,7 +857,7 @@
             <a:fld id="{1D8BD707-D9CF-40AE-B4C6-C98DA3205C09}" type="datetimeFigureOut">
               <a:rPr lang="en-US" smtClean="0"/>
               <a:pPr/>
-              <a:t>8/1/2011</a:t>
+              <a:t>1/24/2024</a:t>
             </a:fld>
             <a:endParaRPr lang="en-US"/>
           </a:p>
@@ -1011,10 +956,9 @@
           </a:lstStyle>
           <a:p>
             <a:r>
-              <a:rPr lang="en-US" smtClean="0"/>
+              <a:rPr lang="en-US"/>
               <a:t>Click to edit Master title style</a:t>
             </a:r>
-            <a:endParaRPr lang="en-US"/>
           </a:p>
         </p:txBody>
       </p:sp>
@@ -1131,7 +1075,7 @@
           <a:p>
             <a:pPr lvl="0"/>
             <a:r>
-              <a:rPr lang="en-US" smtClean="0"/>
+              <a:rPr lang="en-US"/>
               <a:t>Click to edit Master text styles</a:t>
             </a:r>
           </a:p>
@@ -1155,7 +1099,7 @@
             <a:fld id="{1D8BD707-D9CF-40AE-B4C6-C98DA3205C09}" type="datetimeFigureOut">
               <a:rPr lang="en-US" smtClean="0"/>
               <a:pPr/>
-              <a:t>8/1/2011</a:t>
+              <a:t>1/24/2024</a:t>
             </a:fld>
             <a:endParaRPr lang="en-US"/>
           </a:p>
@@ -1245,10 +1189,9 @@
           <a:lstStyle/>
           <a:p>
             <a:r>
-              <a:rPr lang="en-US" smtClean="0"/>
+              <a:rPr lang="en-US"/>
               <a:t>Click to edit Master title style</a:t>
             </a:r>
-            <a:endParaRPr lang="en-US"/>
           </a:p>
         </p:txBody>
       </p:sp>
@@ -1302,38 +1245,37 @@
           <a:p>
             <a:pPr lvl="0"/>
             <a:r>
-              <a:rPr lang="en-US" smtClean="0"/>
+              <a:rPr lang="en-US"/>
               <a:t>Click to edit Master text styles</a:t>
             </a:r>
           </a:p>
           <a:p>
             <a:pPr lvl="1"/>
             <a:r>
-              <a:rPr lang="en-US" smtClean="0"/>
+              <a:rPr lang="en-US"/>
               <a:t>Second level</a:t>
             </a:r>
           </a:p>
           <a:p>
             <a:pPr lvl="2"/>
             <a:r>
-              <a:rPr lang="en-US" smtClean="0"/>
+              <a:rPr lang="en-US"/>
               <a:t>Third level</a:t>
             </a:r>
           </a:p>
           <a:p>
             <a:pPr lvl="3"/>
             <a:r>
-              <a:rPr lang="en-US" smtClean="0"/>
+              <a:rPr lang="en-US"/>
               <a:t>Fourth level</a:t>
             </a:r>
           </a:p>
           <a:p>
             <a:pPr lvl="4"/>
             <a:r>
-              <a:rPr lang="en-US" smtClean="0"/>
+              <a:rPr lang="en-US"/>
               <a:t>Fifth level</a:t>
             </a:r>
-            <a:endParaRPr lang="en-US"/>
           </a:p>
         </p:txBody>
       </p:sp>
@@ -1387,38 +1329,37 @@
           <a:p>
             <a:pPr lvl="0"/>
             <a:r>
-              <a:rPr lang="en-US" smtClean="0"/>
+              <a:rPr lang="en-US"/>
               <a:t>Click to edit Master text styles</a:t>
             </a:r>
           </a:p>
           <a:p>
             <a:pPr lvl="1"/>
             <a:r>
-              <a:rPr lang="en-US" smtClean="0"/>
+              <a:rPr lang="en-US"/>
               <a:t>Second level</a:t>
             </a:r>
           </a:p>
           <a:p>
             <a:pPr lvl="2"/>
             <a:r>
-              <a:rPr lang="en-US" smtClean="0"/>
+              <a:rPr lang="en-US"/>
               <a:t>Third level</a:t>
             </a:r>
           </a:p>
           <a:p>
             <a:pPr lvl="3"/>
             <a:r>
-              <a:rPr lang="en-US" smtClean="0"/>
+              <a:rPr lang="en-US"/>
               <a:t>Fourth level</a:t>
             </a:r>
           </a:p>
           <a:p>
             <a:pPr lvl="4"/>
             <a:r>
-              <a:rPr lang="en-US" smtClean="0"/>
+              <a:rPr lang="en-US"/>
               <a:t>Fifth level</a:t>
             </a:r>
-            <a:endParaRPr lang="en-US"/>
           </a:p>
         </p:txBody>
       </p:sp>
@@ -1440,7 +1381,7 @@
             <a:fld id="{1D8BD707-D9CF-40AE-B4C6-C98DA3205C09}" type="datetimeFigureOut">
               <a:rPr lang="en-US" smtClean="0"/>
               <a:pPr/>
-              <a:t>8/1/2011</a:t>
+              <a:t>1/24/2024</a:t>
             </a:fld>
             <a:endParaRPr lang="en-US"/>
           </a:p>
@@ -1534,10 +1475,9 @@
           </a:lstStyle>
           <a:p>
             <a:r>
-              <a:rPr lang="en-US" smtClean="0"/>
+              <a:rPr lang="en-US"/>
               <a:t>Click to edit Master title style</a:t>
             </a:r>
-            <a:endParaRPr lang="en-US"/>
           </a:p>
         </p:txBody>
       </p:sp>
@@ -1600,7 +1540,7 @@
           <a:p>
             <a:pPr lvl="0"/>
             <a:r>
-              <a:rPr lang="en-US" smtClean="0"/>
+              <a:rPr lang="en-US"/>
               <a:t>Click to edit Master text styles</a:t>
             </a:r>
           </a:p>
@@ -1656,38 +1596,37 @@
           <a:p>
             <a:pPr lvl="0"/>
             <a:r>
-              <a:rPr lang="en-US" smtClean="0"/>
+              <a:rPr lang="en-US"/>
               <a:t>Click to edit Master text styles</a:t>
             </a:r>
           </a:p>
           <a:p>
             <a:pPr lvl="1"/>
             <a:r>
-              <a:rPr lang="en-US" smtClean="0"/>
+              <a:rPr lang="en-US"/>
               <a:t>Second level</a:t>
             </a:r>
           </a:p>
           <a:p>
             <a:pPr lvl="2"/>
             <a:r>
-              <a:rPr lang="en-US" smtClean="0"/>
+              <a:rPr lang="en-US"/>
               <a:t>Third level</a:t>
             </a:r>
           </a:p>
           <a:p>
             <a:pPr lvl="3"/>
             <a:r>
-              <a:rPr lang="en-US" smtClean="0"/>
+              <a:rPr lang="en-US"/>
               <a:t>Fourth level</a:t>
             </a:r>
           </a:p>
           <a:p>
             <a:pPr lvl="4"/>
             <a:r>
-              <a:rPr lang="en-US" smtClean="0"/>
+              <a:rPr lang="en-US"/>
               <a:t>Fifth level</a:t>
             </a:r>
-            <a:endParaRPr lang="en-US"/>
           </a:p>
         </p:txBody>
       </p:sp>
@@ -1750,7 +1689,7 @@
           <a:p>
             <a:pPr lvl="0"/>
             <a:r>
-              <a:rPr lang="en-US" smtClean="0"/>
+              <a:rPr lang="en-US"/>
               <a:t>Click to edit Master text styles</a:t>
             </a:r>
           </a:p>
@@ -1806,38 +1745,37 @@
           <a:p>
             <a:pPr lvl="0"/>
             <a:r>
-              <a:rPr lang="en-US" smtClean="0"/>
+              <a:rPr lang="en-US"/>
               <a:t>Click to edit Master text styles</a:t>
             </a:r>
           </a:p>
           <a:p>
             <a:pPr lvl="1"/>
             <a:r>
-              <a:rPr lang="en-US" smtClean="0"/>
+              <a:rPr lang="en-US"/>
               <a:t>Second level</a:t>
             </a:r>
           </a:p>
           <a:p>
             <a:pPr lvl="2"/>
             <a:r>
-              <a:rPr lang="en-US" smtClean="0"/>
+              <a:rPr lang="en-US"/>
               <a:t>Third level</a:t>
             </a:r>
           </a:p>
           <a:p>
             <a:pPr lvl="3"/>
             <a:r>
-              <a:rPr lang="en-US" smtClean="0"/>
+              <a:rPr lang="en-US"/>
               <a:t>Fourth level</a:t>
             </a:r>
           </a:p>
           <a:p>
             <a:pPr lvl="4"/>
             <a:r>
-              <a:rPr lang="en-US" smtClean="0"/>
+              <a:rPr lang="en-US"/>
               <a:t>Fifth level</a:t>
             </a:r>
-            <a:endParaRPr lang="en-US"/>
           </a:p>
         </p:txBody>
       </p:sp>
@@ -1859,7 +1797,7 @@
             <a:fld id="{1D8BD707-D9CF-40AE-B4C6-C98DA3205C09}" type="datetimeFigureOut">
               <a:rPr lang="en-US" smtClean="0"/>
               <a:pPr/>
-              <a:t>8/1/2011</a:t>
+              <a:t>1/24/2024</a:t>
             </a:fld>
             <a:endParaRPr lang="en-US"/>
           </a:p>
@@ -1949,10 +1887,9 @@
           <a:lstStyle/>
           <a:p>
             <a:r>
-              <a:rPr lang="en-US" smtClean="0"/>
+              <a:rPr lang="en-US"/>
               <a:t>Click to edit Master title style</a:t>
             </a:r>
-            <a:endParaRPr lang="en-US"/>
           </a:p>
         </p:txBody>
       </p:sp>
@@ -1974,7 +1911,7 @@
             <a:fld id="{1D8BD707-D9CF-40AE-B4C6-C98DA3205C09}" type="datetimeFigureOut">
               <a:rPr lang="en-US" smtClean="0"/>
               <a:pPr/>
-              <a:t>8/1/2011</a:t>
+              <a:t>1/24/2024</a:t>
             </a:fld>
             <a:endParaRPr lang="en-US"/>
           </a:p>
@@ -2066,7 +2003,7 @@
             <a:fld id="{1D8BD707-D9CF-40AE-B4C6-C98DA3205C09}" type="datetimeFigureOut">
               <a:rPr lang="en-US" smtClean="0"/>
               <a:pPr/>
-              <a:t>8/1/2011</a:t>
+              <a:t>1/24/2024</a:t>
             </a:fld>
             <a:endParaRPr lang="en-US"/>
           </a:p>
@@ -2165,10 +2102,9 @@
           </a:lstStyle>
           <a:p>
             <a:r>
-              <a:rPr lang="en-US" smtClean="0"/>
+              <a:rPr lang="en-US"/>
               <a:t>Click to edit Master title style</a:t>
             </a:r>
-            <a:endParaRPr lang="en-US"/>
           </a:p>
         </p:txBody>
       </p:sp>
@@ -2222,38 +2158,37 @@
           <a:p>
             <a:pPr lvl="0"/>
             <a:r>
-              <a:rPr lang="en-US" smtClean="0"/>
+              <a:rPr lang="en-US"/>
               <a:t>Click to edit Master text styles</a:t>
             </a:r>
           </a:p>
           <a:p>
             <a:pPr lvl="1"/>
             <a:r>
-              <a:rPr lang="en-US" smtClean="0"/>
+              <a:rPr lang="en-US"/>
               <a:t>Second level</a:t>
             </a:r>
           </a:p>
           <a:p>
             <a:pPr lvl="2"/>
             <a:r>
-              <a:rPr lang="en-US" smtClean="0"/>
+              <a:rPr lang="en-US"/>
               <a:t>Third level</a:t>
             </a:r>
           </a:p>
           <a:p>
             <a:pPr lvl="3"/>
             <a:r>
-              <a:rPr lang="en-US" smtClean="0"/>
+              <a:rPr lang="en-US"/>
               <a:t>Fourth level</a:t>
             </a:r>
           </a:p>
           <a:p>
             <a:pPr lvl="4"/>
             <a:r>
-              <a:rPr lang="en-US" smtClean="0"/>
+              <a:rPr lang="en-US"/>
               <a:t>Fifth level</a:t>
             </a:r>
-            <a:endParaRPr lang="en-US"/>
           </a:p>
         </p:txBody>
       </p:sp>
@@ -2316,7 +2251,7 @@
           <a:p>
             <a:pPr lvl="0"/>
             <a:r>
-              <a:rPr lang="en-US" smtClean="0"/>
+              <a:rPr lang="en-US"/>
               <a:t>Click to edit Master text styles</a:t>
             </a:r>
           </a:p>
@@ -2340,7 +2275,7 @@
             <a:fld id="{1D8BD707-D9CF-40AE-B4C6-C98DA3205C09}" type="datetimeFigureOut">
               <a:rPr lang="en-US" smtClean="0"/>
               <a:pPr/>
-              <a:t>8/1/2011</a:t>
+              <a:t>1/24/2024</a:t>
             </a:fld>
             <a:endParaRPr lang="en-US"/>
           </a:p>
@@ -2439,10 +2374,9 @@
           </a:lstStyle>
           <a:p>
             <a:r>
-              <a:rPr lang="en-US" smtClean="0"/>
+              <a:rPr lang="en-US"/>
               <a:t>Click to edit Master title style</a:t>
             </a:r>
-            <a:endParaRPr lang="en-US"/>
           </a:p>
         </p:txBody>
       </p:sp>
@@ -2566,7 +2500,7 @@
           <a:p>
             <a:pPr lvl="0"/>
             <a:r>
-              <a:rPr lang="en-US" smtClean="0"/>
+              <a:rPr lang="en-US"/>
               <a:t>Click to edit Master text styles</a:t>
             </a:r>
           </a:p>
@@ -2590,7 +2524,7 @@
             <a:fld id="{1D8BD707-D9CF-40AE-B4C6-C98DA3205C09}" type="datetimeFigureOut">
               <a:rPr lang="en-US" smtClean="0"/>
               <a:pPr/>
-              <a:t>8/1/2011</a:t>
+              <a:t>1/24/2024</a:t>
             </a:fld>
             <a:endParaRPr lang="en-US"/>
           </a:p>
@@ -2695,10 +2629,9 @@
           <a:lstStyle/>
           <a:p>
             <a:r>
-              <a:rPr lang="en-US" smtClean="0"/>
+              <a:rPr lang="en-US"/>
               <a:t>Click to edit Master title style</a:t>
             </a:r>
-            <a:endParaRPr lang="en-US"/>
           </a:p>
         </p:txBody>
       </p:sp>
@@ -2729,38 +2662,37 @@
           <a:p>
             <a:pPr lvl="0"/>
             <a:r>
-              <a:rPr lang="en-US" smtClean="0"/>
+              <a:rPr lang="en-US"/>
               <a:t>Click to edit Master text styles</a:t>
             </a:r>
           </a:p>
           <a:p>
             <a:pPr lvl="1"/>
             <a:r>
-              <a:rPr lang="en-US" smtClean="0"/>
+              <a:rPr lang="en-US"/>
               <a:t>Second level</a:t>
             </a:r>
           </a:p>
           <a:p>
             <a:pPr lvl="2"/>
             <a:r>
-              <a:rPr lang="en-US" smtClean="0"/>
+              <a:rPr lang="en-US"/>
               <a:t>Third level</a:t>
             </a:r>
           </a:p>
           <a:p>
             <a:pPr lvl="3"/>
             <a:r>
-              <a:rPr lang="en-US" smtClean="0"/>
+              <a:rPr lang="en-US"/>
               <a:t>Fourth level</a:t>
             </a:r>
           </a:p>
           <a:p>
             <a:pPr lvl="4"/>
             <a:r>
-              <a:rPr lang="en-US" smtClean="0"/>
+              <a:rPr lang="en-US"/>
               <a:t>Fifth level</a:t>
             </a:r>
-            <a:endParaRPr lang="en-US"/>
           </a:p>
         </p:txBody>
       </p:sp>
@@ -2800,7 +2732,7 @@
             <a:fld id="{1D8BD707-D9CF-40AE-B4C6-C98DA3205C09}" type="datetimeFigureOut">
               <a:rPr lang="en-US" smtClean="0"/>
               <a:pPr/>
-              <a:t>8/1/2011</a:t>
+              <a:t>1/24/2024</a:t>
             </a:fld>
             <a:endParaRPr lang="en-US"/>
           </a:p>
@@ -3155,7 +3087,7 @@
 </file>
 
 <file path=ppt/slides/slide1.xml><?xml version="1.0" encoding="utf-8"?>
-<p:sld xmlns:p="http://schemas.openxmlformats.org/presentationml/2006/main" xmlns:a="http://schemas.openxmlformats.org/drawingml/2006/main" xmlns:r="http://schemas.openxmlformats.org/officeDocument/2006/relationships">
+<p:sld xmlns:a="http://schemas.openxmlformats.org/drawingml/2006/main" xmlns:r="http://schemas.openxmlformats.org/officeDocument/2006/relationships" xmlns:p="http://schemas.openxmlformats.org/presentationml/2006/main">
   <p:cSld>
     <p:spTree>
       <p:nvGrpSpPr>
@@ -3173,12 +3105,12 @@
       </p:grpSpPr>
       <p:sp>
         <p:nvSpPr>
-          <p:cNvPr name="Freeform 2" id="2"/>
+          <p:cNvPr id="2" name="Freeform 2"/>
           <p:cNvSpPr/>
           <p:nvPr/>
         </p:nvSpPr>
         <p:spPr>
-          <a:xfrm flipH="false" flipV="false" rot="0">
+          <a:xfrm>
             <a:off x="0" y="0"/>
             <a:ext cx="18288000" cy="10287000"/>
           </a:xfrm>
@@ -3187,9 +3119,9 @@
             <a:gdLst/>
             <a:ahLst/>
             <a:cxnLst/>
-            <a:rect r="r" b="b" t="t" l="l"/>
+            <a:rect l="l" t="t" r="r" b="b"/>
             <a:pathLst>
-              <a:path h="10287000" w="18288000">
+              <a:path w="18288000" h="10287000">
                 <a:moveTo>
                   <a:pt x="0" y="0"/>
                 </a:moveTo>
@@ -3212,19 +3144,19 @@
           <a:blipFill>
             <a:blip r:embed="rId2"/>
             <a:stretch>
-              <a:fillRect l="0" t="-24354" r="-1468" b="-56033"/>
+              <a:fillRect t="-24354" r="-1468" b="-56033"/>
             </a:stretch>
           </a:blipFill>
         </p:spPr>
       </p:sp>
       <p:grpSp>
         <p:nvGrpSpPr>
-          <p:cNvPr name="Group 3" id="3"/>
+          <p:cNvPr id="3" name="Group 3"/>
           <p:cNvGrpSpPr/>
           <p:nvPr/>
         </p:nvGrpSpPr>
         <p:grpSpPr>
-          <a:xfrm rot="0">
+          <a:xfrm>
             <a:off x="905495" y="1315441"/>
             <a:ext cx="9009410" cy="6082798"/>
             <a:chOff x="0" y="0"/>
@@ -3233,12 +3165,12 @@
         </p:grpSpPr>
         <p:sp>
           <p:nvSpPr>
-            <p:cNvPr name="Freeform 4" id="4"/>
+            <p:cNvPr id="4" name="Freeform 4"/>
             <p:cNvSpPr/>
             <p:nvPr/>
           </p:nvSpPr>
           <p:spPr>
-            <a:xfrm flipH="false" flipV="false" rot="0">
+            <a:xfrm>
               <a:off x="0" y="0"/>
               <a:ext cx="3286657" cy="2219021"/>
             </a:xfrm>
@@ -3247,9 +3179,9 @@
               <a:gdLst/>
               <a:ahLst/>
               <a:cxnLst/>
-              <a:rect r="r" b="b" t="t" l="l"/>
+              <a:rect l="l" t="t" r="r" b="b"/>
               <a:pathLst>
-                <a:path h="2219021" w="3286657">
+                <a:path w="3286657" h="2219021">
                   <a:moveTo>
                     <a:pt x="0" y="0"/>
                   </a:moveTo>
@@ -3274,12 +3206,12 @@
       </p:grpSp>
       <p:sp>
         <p:nvSpPr>
-          <p:cNvPr name="Freeform 5" id="5"/>
+          <p:cNvPr id="5" name="Freeform 5"/>
           <p:cNvSpPr/>
           <p:nvPr/>
         </p:nvSpPr>
         <p:spPr>
-          <a:xfrm flipH="true" flipV="false" rot="0">
+          <a:xfrm flipH="1">
             <a:off x="-2156129" y="8872350"/>
             <a:ext cx="6662470" cy="1611106"/>
           </a:xfrm>
@@ -3288,9 +3220,9 @@
             <a:gdLst/>
             <a:ahLst/>
             <a:cxnLst/>
-            <a:rect r="r" b="b" t="t" l="l"/>
+            <a:rect l="l" t="t" r="r" b="b"/>
             <a:pathLst>
-              <a:path h="1611106" w="6662470">
+              <a:path w="6662470" h="1611106">
                 <a:moveTo>
                   <a:pt x="6662470" y="0"/>
                 </a:moveTo>
@@ -3319,19 +3251,19 @@
               </a:extLst>
             </a:blip>
             <a:stretch>
-              <a:fillRect l="0" t="0" r="0" b="0"/>
+              <a:fillRect/>
             </a:stretch>
           </a:blipFill>
         </p:spPr>
       </p:sp>
       <p:sp>
         <p:nvSpPr>
-          <p:cNvPr name="Freeform 6" id="6"/>
+          <p:cNvPr id="6" name="Freeform 6"/>
           <p:cNvSpPr/>
           <p:nvPr/>
         </p:nvSpPr>
         <p:spPr>
-          <a:xfrm flipH="true" flipV="false" rot="0">
+          <a:xfrm flipH="1">
             <a:off x="14791434" y="-196457"/>
             <a:ext cx="5652695" cy="1366924"/>
           </a:xfrm>
@@ -3340,9 +3272,9 @@
             <a:gdLst/>
             <a:ahLst/>
             <a:cxnLst/>
-            <a:rect r="r" b="b" t="t" l="l"/>
+            <a:rect l="l" t="t" r="r" b="b"/>
             <a:pathLst>
-              <a:path h="1366924" w="5652695">
+              <a:path w="5652695" h="1366924">
                 <a:moveTo>
                   <a:pt x="5652695" y="0"/>
                 </a:moveTo>
@@ -3371,19 +3303,19 @@
               </a:extLst>
             </a:blip>
             <a:stretch>
-              <a:fillRect l="0" t="0" r="0" b="0"/>
+              <a:fillRect/>
             </a:stretch>
           </a:blipFill>
         </p:spPr>
       </p:sp>
       <p:grpSp>
         <p:nvGrpSpPr>
-          <p:cNvPr name="Group 7" id="7"/>
+          <p:cNvPr id="7" name="Group 7"/>
           <p:cNvGrpSpPr/>
           <p:nvPr/>
         </p:nvGrpSpPr>
         <p:grpSpPr>
-          <a:xfrm rot="0">
+          <a:xfrm>
             <a:off x="10261150" y="1315441"/>
             <a:ext cx="7087021" cy="7701883"/>
             <a:chOff x="0" y="0"/>
@@ -3392,12 +3324,12 @@
         </p:grpSpPr>
         <p:sp>
           <p:nvSpPr>
-            <p:cNvPr name="Freeform 8" id="8"/>
+            <p:cNvPr id="8" name="Freeform 8"/>
             <p:cNvSpPr/>
             <p:nvPr/>
           </p:nvSpPr>
           <p:spPr>
-            <a:xfrm flipH="false" flipV="false" rot="0">
+            <a:xfrm>
               <a:off x="0" y="0"/>
               <a:ext cx="2585364" cy="2809668"/>
             </a:xfrm>
@@ -3406,9 +3338,9 @@
               <a:gdLst/>
               <a:ahLst/>
               <a:cxnLst/>
-              <a:rect r="r" b="b" t="t" l="l"/>
+              <a:rect l="l" t="t" r="r" b="b"/>
               <a:pathLst>
-                <a:path h="2809668" w="2585364">
+                <a:path w="2585364" h="2809668">
                   <a:moveTo>
                     <a:pt x="0" y="0"/>
                   </a:moveTo>
@@ -3433,12 +3365,12 @@
       </p:grpSp>
       <p:sp>
         <p:nvSpPr>
-          <p:cNvPr name="Freeform 9" id="9"/>
+          <p:cNvPr id="9" name="Freeform 9"/>
           <p:cNvSpPr/>
           <p:nvPr/>
         </p:nvSpPr>
         <p:spPr>
-          <a:xfrm flipH="false" flipV="false" rot="0">
+          <a:xfrm>
             <a:off x="10692016" y="4401714"/>
             <a:ext cx="6225288" cy="3893634"/>
           </a:xfrm>
@@ -3447,9 +3379,9 @@
             <a:gdLst/>
             <a:ahLst/>
             <a:cxnLst/>
-            <a:rect r="r" b="b" t="t" l="l"/>
+            <a:rect l="l" t="t" r="r" b="b"/>
             <a:pathLst>
-              <a:path h="3893634" w="6225288">
+              <a:path w="6225288" h="3893634">
                 <a:moveTo>
                   <a:pt x="0" y="0"/>
                 </a:moveTo>
@@ -3478,19 +3410,19 @@
               </a:extLst>
             </a:blip>
             <a:stretch>
-              <a:fillRect l="0" t="0" r="0" b="0"/>
+              <a:fillRect/>
             </a:stretch>
           </a:blipFill>
         </p:spPr>
       </p:sp>
       <p:sp>
         <p:nvSpPr>
-          <p:cNvPr name="Freeform 10" id="10"/>
+          <p:cNvPr id="10" name="Freeform 10"/>
           <p:cNvSpPr/>
           <p:nvPr/>
         </p:nvSpPr>
         <p:spPr>
-          <a:xfrm flipH="false" flipV="false" rot="0">
+          <a:xfrm>
             <a:off x="16100246" y="3001723"/>
             <a:ext cx="441616" cy="633141"/>
           </a:xfrm>
@@ -3499,9 +3431,9 @@
             <a:gdLst/>
             <a:ahLst/>
             <a:cxnLst/>
-            <a:rect r="r" b="b" t="t" l="l"/>
+            <a:rect l="l" t="t" r="r" b="b"/>
             <a:pathLst>
-              <a:path h="633141" w="441616">
+              <a:path w="441616" h="633141">
                 <a:moveTo>
                   <a:pt x="0" y="0"/>
                 </a:moveTo>
@@ -3530,19 +3462,19 @@
               </a:extLst>
             </a:blip>
             <a:stretch>
-              <a:fillRect l="0" t="0" r="0" b="0"/>
+              <a:fillRect/>
             </a:stretch>
           </a:blipFill>
         </p:spPr>
       </p:sp>
       <p:sp>
         <p:nvSpPr>
-          <p:cNvPr name="Freeform 11" id="11"/>
+          <p:cNvPr id="11" name="Freeform 11"/>
           <p:cNvSpPr/>
           <p:nvPr/>
         </p:nvSpPr>
         <p:spPr>
-          <a:xfrm flipH="false" flipV="false" rot="-203414">
+          <a:xfrm rot="-203414">
             <a:off x="11173930" y="3499519"/>
             <a:ext cx="321948" cy="461574"/>
           </a:xfrm>
@@ -3551,9 +3483,9 @@
             <a:gdLst/>
             <a:ahLst/>
             <a:cxnLst/>
-            <a:rect r="r" b="b" t="t" l="l"/>
+            <a:rect l="l" t="t" r="r" b="b"/>
             <a:pathLst>
-              <a:path h="461574" w="321948">
+              <a:path w="321948" h="461574">
                 <a:moveTo>
                   <a:pt x="0" y="0"/>
                 </a:moveTo>
@@ -3582,19 +3514,19 @@
               </a:extLst>
             </a:blip>
             <a:stretch>
-              <a:fillRect l="0" t="0" r="0" b="0"/>
+              <a:fillRect/>
             </a:stretch>
           </a:blipFill>
         </p:spPr>
       </p:sp>
       <p:sp>
         <p:nvSpPr>
-          <p:cNvPr name="Freeform 12" id="12"/>
+          <p:cNvPr id="12" name="Freeform 12"/>
           <p:cNvSpPr/>
           <p:nvPr/>
         </p:nvSpPr>
         <p:spPr>
-          <a:xfrm flipH="false" flipV="false" rot="0">
+          <a:xfrm>
             <a:off x="12690344" y="1991652"/>
             <a:ext cx="2228632" cy="1815322"/>
           </a:xfrm>
@@ -3603,9 +3535,9 @@
             <a:gdLst/>
             <a:ahLst/>
             <a:cxnLst/>
-            <a:rect r="r" b="b" t="t" l="l"/>
+            <a:rect l="l" t="t" r="r" b="b"/>
             <a:pathLst>
-              <a:path h="1815322" w="2228632">
+              <a:path w="2228632" h="1815322">
                 <a:moveTo>
                   <a:pt x="0" y="0"/>
                 </a:moveTo>
@@ -3634,19 +3566,19 @@
               </a:extLst>
             </a:blip>
             <a:stretch>
-              <a:fillRect l="0" t="0" r="0" b="0"/>
+              <a:fillRect/>
             </a:stretch>
           </a:blipFill>
         </p:spPr>
       </p:sp>
       <p:sp>
         <p:nvSpPr>
-          <p:cNvPr name="TextBox 13" id="13"/>
-          <p:cNvSpPr txBox="true"/>
+          <p:cNvPr id="13" name="TextBox 13"/>
+          <p:cNvSpPr txBox="1"/>
           <p:nvPr/>
         </p:nvSpPr>
         <p:spPr>
-          <a:xfrm rot="0">
+          <a:xfrm>
             <a:off x="1437079" y="2842365"/>
             <a:ext cx="7946241" cy="3028950"/>
           </a:xfrm>
@@ -3655,7 +3587,7 @@
           </a:prstGeom>
         </p:spPr>
         <p:txBody>
-          <a:bodyPr anchor="t" rtlCol="false" tIns="0" lIns="0" bIns="0" rIns="0">
+          <a:bodyPr lIns="0" tIns="0" rIns="0" bIns="0" rtlCol="0" anchor="t">
             <a:spAutoFit/>
           </a:bodyPr>
           <a:lstStyle/>
@@ -3686,7 +3618,7 @@
 </file>
 
 <file path=ppt/slides/slide2.xml><?xml version="1.0" encoding="utf-8"?>
-<p:sld xmlns:p="http://schemas.openxmlformats.org/presentationml/2006/main" xmlns:a="http://schemas.openxmlformats.org/drawingml/2006/main" xmlns:r="http://schemas.openxmlformats.org/officeDocument/2006/relationships">
+<p:sld xmlns:a="http://schemas.openxmlformats.org/drawingml/2006/main" xmlns:r="http://schemas.openxmlformats.org/officeDocument/2006/relationships" xmlns:p="http://schemas.openxmlformats.org/presentationml/2006/main">
   <p:cSld>
     <p:spTree>
       <p:nvGrpSpPr>
@@ -3704,12 +3636,12 @@
       </p:grpSpPr>
       <p:sp>
         <p:nvSpPr>
-          <p:cNvPr name="Freeform 2" id="2"/>
+          <p:cNvPr id="2" name="Freeform 2"/>
           <p:cNvSpPr/>
           <p:nvPr/>
         </p:nvSpPr>
         <p:spPr>
-          <a:xfrm flipH="false" flipV="false" rot="0">
+          <a:xfrm>
             <a:off x="0" y="0"/>
             <a:ext cx="18288000" cy="10287000"/>
           </a:xfrm>
@@ -3718,9 +3650,9 @@
             <a:gdLst/>
             <a:ahLst/>
             <a:cxnLst/>
-            <a:rect r="r" b="b" t="t" l="l"/>
+            <a:rect l="l" t="t" r="r" b="b"/>
             <a:pathLst>
-              <a:path h="10287000" w="18288000">
+              <a:path w="18288000" h="10287000">
                 <a:moveTo>
                   <a:pt x="0" y="0"/>
                 </a:moveTo>
@@ -3743,19 +3675,19 @@
           <a:blipFill>
             <a:blip r:embed="rId2"/>
             <a:stretch>
-              <a:fillRect l="0" t="-24354" r="-1468" b="-56033"/>
+              <a:fillRect t="-24354" r="-1468" b="-56033"/>
             </a:stretch>
           </a:blipFill>
         </p:spPr>
       </p:sp>
       <p:grpSp>
         <p:nvGrpSpPr>
-          <p:cNvPr name="Group 3" id="3"/>
+          <p:cNvPr id="3" name="Group 3"/>
           <p:cNvGrpSpPr/>
           <p:nvPr/>
         </p:nvGrpSpPr>
         <p:grpSpPr>
-          <a:xfrm rot="0">
+          <a:xfrm>
             <a:off x="1219294" y="2910273"/>
             <a:ext cx="15795020" cy="6745738"/>
             <a:chOff x="0" y="0"/>
@@ -3764,12 +3696,12 @@
         </p:grpSpPr>
         <p:sp>
           <p:nvSpPr>
-            <p:cNvPr name="Freeform 4" id="4"/>
+            <p:cNvPr id="4" name="Freeform 4"/>
             <p:cNvSpPr/>
             <p:nvPr/>
           </p:nvSpPr>
           <p:spPr>
-            <a:xfrm flipH="false" flipV="false" rot="0">
+            <a:xfrm>
               <a:off x="0" y="0"/>
               <a:ext cx="5762066" cy="2460863"/>
             </a:xfrm>
@@ -3778,9 +3710,9 @@
               <a:gdLst/>
               <a:ahLst/>
               <a:cxnLst/>
-              <a:rect r="r" b="b" t="t" l="l"/>
+              <a:rect l="l" t="t" r="r" b="b"/>
               <a:pathLst>
-                <a:path h="2460863" w="5762066">
+                <a:path w="5762066" h="2460863">
                   <a:moveTo>
                     <a:pt x="0" y="0"/>
                   </a:moveTo>
@@ -3805,12 +3737,12 @@
       </p:grpSp>
       <p:grpSp>
         <p:nvGrpSpPr>
-          <p:cNvPr name="Group 5" id="5"/>
+          <p:cNvPr id="5" name="Group 5"/>
           <p:cNvGrpSpPr/>
           <p:nvPr/>
         </p:nvGrpSpPr>
         <p:grpSpPr>
-          <a:xfrm rot="0">
+          <a:xfrm>
             <a:off x="1219294" y="657204"/>
             <a:ext cx="15795020" cy="1907038"/>
             <a:chOff x="0" y="0"/>
@@ -3819,12 +3751,12 @@
         </p:grpSpPr>
         <p:sp>
           <p:nvSpPr>
-            <p:cNvPr name="Freeform 6" id="6"/>
+            <p:cNvPr id="6" name="Freeform 6"/>
             <p:cNvSpPr/>
             <p:nvPr/>
           </p:nvSpPr>
           <p:spPr>
-            <a:xfrm flipH="false" flipV="false" rot="0">
+            <a:xfrm>
               <a:off x="0" y="0"/>
               <a:ext cx="5762066" cy="695693"/>
             </a:xfrm>
@@ -3833,9 +3765,9 @@
               <a:gdLst/>
               <a:ahLst/>
               <a:cxnLst/>
-              <a:rect r="r" b="b" t="t" l="l"/>
+              <a:rect l="l" t="t" r="r" b="b"/>
               <a:pathLst>
-                <a:path h="695693" w="5762066">
+                <a:path w="5762066" h="695693">
                   <a:moveTo>
                     <a:pt x="0" y="0"/>
                   </a:moveTo>
@@ -3860,12 +3792,12 @@
       </p:grpSp>
       <p:sp>
         <p:nvSpPr>
-          <p:cNvPr name="Freeform 7" id="7"/>
+          <p:cNvPr id="7" name="Freeform 7"/>
           <p:cNvSpPr/>
           <p:nvPr/>
         </p:nvSpPr>
         <p:spPr>
-          <a:xfrm flipH="false" flipV="false" rot="-278358">
+          <a:xfrm rot="-278358">
             <a:off x="-1432939" y="-269558"/>
             <a:ext cx="5304464" cy="1668495"/>
           </a:xfrm>
@@ -3874,9 +3806,9 @@
             <a:gdLst/>
             <a:ahLst/>
             <a:cxnLst/>
-            <a:rect r="r" b="b" t="t" l="l"/>
+            <a:rect l="l" t="t" r="r" b="b"/>
             <a:pathLst>
-              <a:path h="1668495" w="5304464">
+              <a:path w="5304464" h="1668495">
                 <a:moveTo>
                   <a:pt x="0" y="0"/>
                 </a:moveTo>
@@ -3905,14 +3837,14 @@
               </a:extLst>
             </a:blip>
             <a:stretch>
-              <a:fillRect l="0" t="0" r="0" b="0"/>
+              <a:fillRect/>
             </a:stretch>
           </a:blipFill>
         </p:spPr>
       </p:sp>
       <p:sp>
         <p:nvSpPr>
-          <p:cNvPr name="AutoShape 8" id="8"/>
+          <p:cNvPr id="8" name="AutoShape 8"/>
           <p:cNvSpPr/>
           <p:nvPr/>
         </p:nvSpPr>
@@ -3924,19 +3856,19 @@
           <a:prstGeom prst="line">
             <a:avLst/>
           </a:prstGeom>
-          <a:ln cap="flat" w="19050">
+          <a:ln w="19050" cap="flat">
             <a:solidFill>
               <a:srgbClr val="CCCCCC"/>
             </a:solidFill>
             <a:prstDash val="solid"/>
-            <a:headEnd type="none" len="sm" w="sm"/>
-            <a:tailEnd type="none" len="sm" w="sm"/>
+            <a:headEnd type="none" w="sm" len="sm"/>
+            <a:tailEnd type="none" w="sm" len="sm"/>
           </a:ln>
         </p:spPr>
       </p:sp>
       <p:sp>
         <p:nvSpPr>
-          <p:cNvPr name="AutoShape 9" id="9"/>
+          <p:cNvPr id="9" name="AutoShape 9"/>
           <p:cNvSpPr/>
           <p:nvPr/>
         </p:nvSpPr>
@@ -3948,19 +3880,19 @@
           <a:prstGeom prst="line">
             <a:avLst/>
           </a:prstGeom>
-          <a:ln cap="flat" w="19050">
+          <a:ln w="19050" cap="flat">
             <a:solidFill>
               <a:srgbClr val="CCCCCC"/>
             </a:solidFill>
             <a:prstDash val="solid"/>
-            <a:headEnd type="none" len="sm" w="sm"/>
-            <a:tailEnd type="none" len="sm" w="sm"/>
+            <a:headEnd type="none" w="sm" len="sm"/>
+            <a:tailEnd type="none" w="sm" len="sm"/>
           </a:ln>
         </p:spPr>
       </p:sp>
       <p:sp>
         <p:nvSpPr>
-          <p:cNvPr name="AutoShape 10" id="10"/>
+          <p:cNvPr id="10" name="AutoShape 10"/>
           <p:cNvSpPr/>
           <p:nvPr/>
         </p:nvSpPr>
@@ -3972,24 +3904,24 @@
           <a:prstGeom prst="line">
             <a:avLst/>
           </a:prstGeom>
-          <a:ln cap="flat" w="19050">
+          <a:ln w="19050" cap="flat">
             <a:solidFill>
               <a:srgbClr val="CCCCCC"/>
             </a:solidFill>
             <a:prstDash val="solid"/>
-            <a:headEnd type="none" len="sm" w="sm"/>
-            <a:tailEnd type="none" len="sm" w="sm"/>
+            <a:headEnd type="none" w="sm" len="sm"/>
+            <a:tailEnd type="none" w="sm" len="sm"/>
           </a:ln>
         </p:spPr>
       </p:sp>
       <p:grpSp>
         <p:nvGrpSpPr>
-          <p:cNvPr name="Group 11" id="11"/>
+          <p:cNvPr id="11" name="Group 11"/>
           <p:cNvGrpSpPr/>
           <p:nvPr/>
         </p:nvGrpSpPr>
         <p:grpSpPr>
-          <a:xfrm rot="0">
+          <a:xfrm>
             <a:off x="13821430" y="6055702"/>
             <a:ext cx="4791997" cy="4775719"/>
             <a:chOff x="0" y="0"/>
@@ -3998,12 +3930,12 @@
         </p:grpSpPr>
         <p:sp>
           <p:nvSpPr>
-            <p:cNvPr name="Freeform 12" id="12"/>
+            <p:cNvPr id="12" name="Freeform 12"/>
             <p:cNvSpPr/>
             <p:nvPr/>
           </p:nvSpPr>
           <p:spPr>
-            <a:xfrm flipH="false" flipV="false" rot="0">
+            <a:xfrm>
               <a:off x="0" y="338421"/>
               <a:ext cx="6389330" cy="6029204"/>
             </a:xfrm>
@@ -4012,9 +3944,9 @@
               <a:gdLst/>
               <a:ahLst/>
               <a:cxnLst/>
-              <a:rect r="r" b="b" t="t" l="l"/>
+              <a:rect l="l" t="t" r="r" b="b"/>
               <a:pathLst>
-                <a:path h="6029204" w="6389330">
+                <a:path w="6389330" h="6029204">
                   <a:moveTo>
                     <a:pt x="0" y="0"/>
                   </a:moveTo>
@@ -4043,19 +3975,19 @@
                 </a:extLst>
               </a:blip>
               <a:stretch>
-                <a:fillRect l="0" t="0" r="0" b="0"/>
+                <a:fillRect/>
               </a:stretch>
             </a:blipFill>
           </p:spPr>
         </p:sp>
         <p:sp>
           <p:nvSpPr>
-            <p:cNvPr name="Freeform 13" id="13"/>
+            <p:cNvPr id="13" name="Freeform 13"/>
             <p:cNvSpPr/>
             <p:nvPr/>
           </p:nvSpPr>
           <p:spPr>
-            <a:xfrm flipH="false" flipV="false" rot="-203414">
+            <a:xfrm rot="-203414">
               <a:off x="1228888" y="24588"/>
               <a:ext cx="868401" cy="1245020"/>
             </a:xfrm>
@@ -4064,9 +3996,9 @@
               <a:gdLst/>
               <a:ahLst/>
               <a:cxnLst/>
-              <a:rect r="r" b="b" t="t" l="l"/>
+              <a:rect l="l" t="t" r="r" b="b"/>
               <a:pathLst>
-                <a:path h="1245020" w="868401">
+                <a:path w="868401" h="1245020">
                   <a:moveTo>
                     <a:pt x="0" y="0"/>
                   </a:moveTo>
@@ -4095,7 +4027,7 @@
                 </a:extLst>
               </a:blip>
               <a:stretch>
-                <a:fillRect l="0" t="0" r="0" b="0"/>
+                <a:fillRect/>
               </a:stretch>
             </a:blipFill>
           </p:spPr>
@@ -4103,12 +4035,12 @@
       </p:grpSp>
       <p:sp>
         <p:nvSpPr>
-          <p:cNvPr name="TextBox 14" id="14"/>
-          <p:cNvSpPr txBox="true"/>
+          <p:cNvPr id="14" name="TextBox 14"/>
+          <p:cNvSpPr txBox="1"/>
           <p:nvPr/>
         </p:nvSpPr>
         <p:spPr>
-          <a:xfrm rot="0">
+          <a:xfrm>
             <a:off x="10994513" y="3865472"/>
             <a:ext cx="6019800" cy="372745"/>
           </a:xfrm>
@@ -4117,7 +4049,7 @@
           </a:prstGeom>
         </p:spPr>
         <p:txBody>
-          <a:bodyPr anchor="t" rtlCol="false" tIns="0" lIns="0" bIns="0" rIns="0">
+          <a:bodyPr lIns="0" tIns="0" rIns="0" bIns="0" rtlCol="0" anchor="t">
             <a:spAutoFit/>
           </a:bodyPr>
           <a:lstStyle/>
@@ -4141,12 +4073,12 @@
       </p:sp>
       <p:sp>
         <p:nvSpPr>
-          <p:cNvPr name="TextBox 15" id="15"/>
-          <p:cNvSpPr txBox="true"/>
+          <p:cNvPr id="15" name="TextBox 15"/>
+          <p:cNvSpPr txBox="1"/>
           <p:nvPr/>
         </p:nvSpPr>
         <p:spPr>
-          <a:xfrm rot="0">
+          <a:xfrm>
             <a:off x="10994513" y="5188927"/>
             <a:ext cx="6019800" cy="763270"/>
           </a:xfrm>
@@ -4155,7 +4087,7 @@
           </a:prstGeom>
         </p:spPr>
         <p:txBody>
-          <a:bodyPr anchor="t" rtlCol="false" tIns="0" lIns="0" bIns="0" rIns="0">
+          <a:bodyPr lIns="0" tIns="0" rIns="0" bIns="0" rtlCol="0" anchor="t">
             <a:spAutoFit/>
           </a:bodyPr>
           <a:lstStyle/>
@@ -4179,12 +4111,12 @@
       </p:sp>
       <p:sp>
         <p:nvSpPr>
-          <p:cNvPr name="TextBox 16" id="16"/>
-          <p:cNvSpPr txBox="true"/>
+          <p:cNvPr id="16" name="TextBox 16"/>
+          <p:cNvSpPr txBox="1"/>
           <p:nvPr/>
         </p:nvSpPr>
         <p:spPr>
-          <a:xfrm rot="0">
+          <a:xfrm>
             <a:off x="3683996" y="924916"/>
             <a:ext cx="10839717" cy="1371600"/>
           </a:xfrm>
@@ -4193,12 +4125,12 @@
           </a:prstGeom>
         </p:spPr>
         <p:txBody>
-          <a:bodyPr anchor="t" rtlCol="false" tIns="0" lIns="0" bIns="0" rIns="0">
+          <a:bodyPr lIns="0" tIns="0" rIns="0" bIns="0" rtlCol="0" anchor="t">
             <a:spAutoFit/>
           </a:bodyPr>
           <a:lstStyle/>
           <a:p>
-            <a:pPr algn="ctr" marL="0" indent="0" lvl="0">
+            <a:pPr marL="0" lvl="0" indent="0" algn="ctr">
               <a:lnSpc>
                 <a:spcPts val="10800"/>
               </a:lnSpc>
@@ -4220,12 +4152,12 @@
       </p:sp>
       <p:sp>
         <p:nvSpPr>
-          <p:cNvPr name="TextBox 17" id="17"/>
-          <p:cNvSpPr txBox="true"/>
+          <p:cNvPr id="17" name="TextBox 17"/>
+          <p:cNvSpPr txBox="1"/>
           <p:nvPr/>
         </p:nvSpPr>
         <p:spPr>
-          <a:xfrm rot="0">
+          <a:xfrm>
             <a:off x="3351227" y="5435942"/>
             <a:ext cx="5242341" cy="372745"/>
           </a:xfrm>
@@ -4234,7 +4166,7 @@
           </a:prstGeom>
         </p:spPr>
         <p:txBody>
-          <a:bodyPr anchor="t" rtlCol="false" tIns="0" lIns="0" bIns="0" rIns="0">
+          <a:bodyPr lIns="0" tIns="0" rIns="0" bIns="0" rtlCol="0" anchor="t">
             <a:spAutoFit/>
           </a:bodyPr>
           <a:lstStyle/>
@@ -4258,12 +4190,12 @@
       </p:sp>
       <p:sp>
         <p:nvSpPr>
-          <p:cNvPr name="TextBox 18" id="18"/>
-          <p:cNvSpPr txBox="true"/>
+          <p:cNvPr id="18" name="TextBox 18"/>
+          <p:cNvSpPr txBox="1"/>
           <p:nvPr/>
         </p:nvSpPr>
         <p:spPr>
-          <a:xfrm rot="0">
+          <a:xfrm>
             <a:off x="3394562" y="3566704"/>
             <a:ext cx="5242341" cy="763270"/>
           </a:xfrm>
@@ -4272,7 +4204,7 @@
           </a:prstGeom>
         </p:spPr>
         <p:txBody>
-          <a:bodyPr anchor="t" rtlCol="false" tIns="0" lIns="0" bIns="0" rIns="0">
+          <a:bodyPr lIns="0" tIns="0" rIns="0" bIns="0" rtlCol="0" anchor="t">
             <a:spAutoFit/>
           </a:bodyPr>
           <a:lstStyle/>
@@ -4296,12 +4228,12 @@
       </p:sp>
       <p:sp>
         <p:nvSpPr>
-          <p:cNvPr name="TextBox 19" id="19"/>
-          <p:cNvSpPr txBox="true"/>
+          <p:cNvPr id="19" name="TextBox 19"/>
+          <p:cNvSpPr txBox="1"/>
           <p:nvPr/>
         </p:nvSpPr>
         <p:spPr>
-          <a:xfrm rot="0">
+          <a:xfrm>
             <a:off x="1650988" y="3604804"/>
             <a:ext cx="766091" cy="828675"/>
           </a:xfrm>
@@ -4310,12 +4242,12 @@
           </a:prstGeom>
         </p:spPr>
         <p:txBody>
-          <a:bodyPr anchor="t" rtlCol="false" tIns="0" lIns="0" bIns="0" rIns="0">
+          <a:bodyPr lIns="0" tIns="0" rIns="0" bIns="0" rtlCol="0" anchor="t">
             <a:spAutoFit/>
           </a:bodyPr>
           <a:lstStyle/>
           <a:p>
-            <a:pPr algn="ctr" marL="0" indent="0" lvl="0">
+            <a:pPr marL="0" lvl="0" indent="0" algn="ctr">
               <a:lnSpc>
                 <a:spcPts val="6599"/>
               </a:lnSpc>
@@ -4337,12 +4269,12 @@
       </p:sp>
       <p:sp>
         <p:nvSpPr>
-          <p:cNvPr name="TextBox 20" id="20"/>
-          <p:cNvSpPr txBox="true"/>
+          <p:cNvPr id="20" name="TextBox 20"/>
+          <p:cNvSpPr txBox="1"/>
           <p:nvPr/>
         </p:nvSpPr>
         <p:spPr>
-          <a:xfrm rot="0">
+          <a:xfrm>
             <a:off x="9103855" y="3604804"/>
             <a:ext cx="766091" cy="828675"/>
           </a:xfrm>
@@ -4351,12 +4283,12 @@
           </a:prstGeom>
         </p:spPr>
         <p:txBody>
-          <a:bodyPr anchor="t" rtlCol="false" tIns="0" lIns="0" bIns="0" rIns="0">
+          <a:bodyPr lIns="0" tIns="0" rIns="0" bIns="0" rtlCol="0" anchor="t">
             <a:spAutoFit/>
           </a:bodyPr>
           <a:lstStyle/>
           <a:p>
-            <a:pPr algn="ctr" marL="0" indent="0" lvl="0">
+            <a:pPr marL="0" lvl="0" indent="0" algn="ctr">
               <a:lnSpc>
                 <a:spcPts val="6599"/>
               </a:lnSpc>
@@ -4371,28 +4303,19 @@
                 </a:solidFill>
                 <a:latin typeface="Muli Bold"/>
               </a:rPr>
-              <a:t>3</a:t>
+              <a:t>3.</a:t>
             </a:r>
-            <a:r>
-              <a:rPr lang="en-US" sz="5499">
-                <a:solidFill>
-                  <a:srgbClr val="003EA8"/>
-                </a:solidFill>
-                <a:latin typeface="Muli Bold"/>
-              </a:rPr>
-              <a:t>.</a:t>
-            </a:r>
           </a:p>
         </p:txBody>
       </p:sp>
       <p:sp>
         <p:nvSpPr>
-          <p:cNvPr name="TextBox 21" id="21"/>
-          <p:cNvSpPr txBox="true"/>
+          <p:cNvPr id="21" name="TextBox 21"/>
+          <p:cNvSpPr txBox="1"/>
           <p:nvPr/>
         </p:nvSpPr>
         <p:spPr>
-          <a:xfrm rot="0">
+          <a:xfrm>
             <a:off x="1650988" y="5227027"/>
             <a:ext cx="766091" cy="828675"/>
           </a:xfrm>
@@ -4401,12 +4324,12 @@
           </a:prstGeom>
         </p:spPr>
         <p:txBody>
-          <a:bodyPr anchor="t" rtlCol="false" tIns="0" lIns="0" bIns="0" rIns="0">
+          <a:bodyPr lIns="0" tIns="0" rIns="0" bIns="0" rtlCol="0" anchor="t">
             <a:spAutoFit/>
           </a:bodyPr>
           <a:lstStyle/>
           <a:p>
-            <a:pPr algn="ctr" marL="0" indent="0" lvl="0">
+            <a:pPr marL="0" lvl="0" indent="0" algn="ctr">
               <a:lnSpc>
                 <a:spcPts val="6599"/>
               </a:lnSpc>
@@ -4428,12 +4351,12 @@
       </p:sp>
       <p:sp>
         <p:nvSpPr>
-          <p:cNvPr name="TextBox 22" id="22"/>
-          <p:cNvSpPr txBox="true"/>
+          <p:cNvPr id="22" name="TextBox 22"/>
+          <p:cNvSpPr txBox="1"/>
           <p:nvPr/>
         </p:nvSpPr>
         <p:spPr>
-          <a:xfrm rot="0">
+          <a:xfrm>
             <a:off x="9103855" y="5227027"/>
             <a:ext cx="766091" cy="828675"/>
           </a:xfrm>
@@ -4442,12 +4365,12 @@
           </a:prstGeom>
         </p:spPr>
         <p:txBody>
-          <a:bodyPr anchor="t" rtlCol="false" tIns="0" lIns="0" bIns="0" rIns="0">
+          <a:bodyPr lIns="0" tIns="0" rIns="0" bIns="0" rtlCol="0" anchor="t">
             <a:spAutoFit/>
           </a:bodyPr>
           <a:lstStyle/>
           <a:p>
-            <a:pPr algn="ctr" marL="0" indent="0" lvl="0">
+            <a:pPr marL="0" lvl="0" indent="0" algn="ctr">
               <a:lnSpc>
                 <a:spcPts val="6599"/>
               </a:lnSpc>
@@ -4462,16 +4385,7 @@
                 </a:solidFill>
                 <a:latin typeface="Muli Bold"/>
               </a:rPr>
-              <a:t>4</a:t>
-            </a:r>
-            <a:r>
-              <a:rPr lang="en-US" sz="5499">
-                <a:solidFill>
-                  <a:srgbClr val="003EA8"/>
-                </a:solidFill>
-                <a:latin typeface="Muli Bold"/>
-              </a:rPr>
-              <a:t>.</a:t>
+              <a:t>4.</a:t>
             </a:r>
           </a:p>
         </p:txBody>
@@ -4485,7 +4399,7 @@
 </file>
 
 <file path=ppt/slides/slide3.xml><?xml version="1.0" encoding="utf-8"?>
-<p:sld xmlns:p="http://schemas.openxmlformats.org/presentationml/2006/main" xmlns:a="http://schemas.openxmlformats.org/drawingml/2006/main" xmlns:r="http://schemas.openxmlformats.org/officeDocument/2006/relationships">
+<p:sld xmlns:a="http://schemas.openxmlformats.org/drawingml/2006/main" xmlns:r="http://schemas.openxmlformats.org/officeDocument/2006/relationships" xmlns:p="http://schemas.openxmlformats.org/presentationml/2006/main">
   <p:cSld>
     <p:spTree>
       <p:nvGrpSpPr>
@@ -4503,12 +4417,12 @@
       </p:grpSpPr>
       <p:sp>
         <p:nvSpPr>
-          <p:cNvPr name="Freeform 2" id="2"/>
+          <p:cNvPr id="2" name="Freeform 2"/>
           <p:cNvSpPr/>
           <p:nvPr/>
         </p:nvSpPr>
         <p:spPr>
-          <a:xfrm flipH="false" flipV="false" rot="0">
+          <a:xfrm>
             <a:off x="0" y="0"/>
             <a:ext cx="18288000" cy="10287000"/>
           </a:xfrm>
@@ -4517,9 +4431,9 @@
             <a:gdLst/>
             <a:ahLst/>
             <a:cxnLst/>
-            <a:rect r="r" b="b" t="t" l="l"/>
+            <a:rect l="l" t="t" r="r" b="b"/>
             <a:pathLst>
-              <a:path h="10287000" w="18288000">
+              <a:path w="18288000" h="10287000">
                 <a:moveTo>
                   <a:pt x="0" y="0"/>
                 </a:moveTo>
@@ -4542,19 +4456,19 @@
           <a:blipFill>
             <a:blip r:embed="rId2"/>
             <a:stretch>
-              <a:fillRect l="0" t="-24354" r="-1468" b="-56033"/>
+              <a:fillRect t="-24354" r="-1468" b="-56033"/>
             </a:stretch>
           </a:blipFill>
         </p:spPr>
       </p:sp>
       <p:grpSp>
         <p:nvGrpSpPr>
-          <p:cNvPr name="Group 3" id="3"/>
+          <p:cNvPr id="3" name="Group 3"/>
           <p:cNvGrpSpPr/>
           <p:nvPr/>
         </p:nvGrpSpPr>
         <p:grpSpPr>
-          <a:xfrm rot="0">
+          <a:xfrm>
             <a:off x="1219294" y="4536975"/>
             <a:ext cx="15795020" cy="3535020"/>
             <a:chOff x="0" y="0"/>
@@ -4563,12 +4477,12 @@
         </p:grpSpPr>
         <p:sp>
           <p:nvSpPr>
-            <p:cNvPr name="Freeform 4" id="4"/>
+            <p:cNvPr id="4" name="Freeform 4"/>
             <p:cNvSpPr/>
             <p:nvPr/>
           </p:nvSpPr>
           <p:spPr>
-            <a:xfrm flipH="false" flipV="false" rot="0">
+            <a:xfrm>
               <a:off x="0" y="0"/>
               <a:ext cx="5762066" cy="1289585"/>
             </a:xfrm>
@@ -4577,9 +4491,9 @@
               <a:gdLst/>
               <a:ahLst/>
               <a:cxnLst/>
-              <a:rect r="r" b="b" t="t" l="l"/>
+              <a:rect l="l" t="t" r="r" b="b"/>
               <a:pathLst>
-                <a:path h="1289585" w="5762066">
+                <a:path w="5762066" h="1289585">
                   <a:moveTo>
                     <a:pt x="0" y="0"/>
                   </a:moveTo>
@@ -4604,12 +4518,12 @@
       </p:grpSp>
       <p:grpSp>
         <p:nvGrpSpPr>
-          <p:cNvPr name="Group 5" id="5"/>
+          <p:cNvPr id="5" name="Group 5"/>
           <p:cNvGrpSpPr/>
           <p:nvPr/>
         </p:nvGrpSpPr>
         <p:grpSpPr>
-          <a:xfrm rot="0">
+          <a:xfrm>
             <a:off x="1219294" y="657204"/>
             <a:ext cx="15795020" cy="3535020"/>
             <a:chOff x="0" y="0"/>
@@ -4618,12 +4532,12 @@
         </p:grpSpPr>
         <p:sp>
           <p:nvSpPr>
-            <p:cNvPr name="Freeform 6" id="6"/>
+            <p:cNvPr id="6" name="Freeform 6"/>
             <p:cNvSpPr/>
             <p:nvPr/>
           </p:nvSpPr>
           <p:spPr>
-            <a:xfrm flipH="false" flipV="false" rot="0">
+            <a:xfrm>
               <a:off x="0" y="0"/>
               <a:ext cx="5762066" cy="1289585"/>
             </a:xfrm>
@@ -4632,9 +4546,9 @@
               <a:gdLst/>
               <a:ahLst/>
               <a:cxnLst/>
-              <a:rect r="r" b="b" t="t" l="l"/>
+              <a:rect l="l" t="t" r="r" b="b"/>
               <a:pathLst>
-                <a:path h="1289585" w="5762066">
+                <a:path w="5762066" h="1289585">
                   <a:moveTo>
                     <a:pt x="0" y="0"/>
                   </a:moveTo>
@@ -4659,12 +4573,12 @@
       </p:grpSp>
       <p:sp>
         <p:nvSpPr>
-          <p:cNvPr name="Freeform 7" id="7"/>
+          <p:cNvPr id="7" name="Freeform 7"/>
           <p:cNvSpPr/>
           <p:nvPr/>
         </p:nvSpPr>
         <p:spPr>
-          <a:xfrm flipH="true" flipV="false" rot="0">
+          <a:xfrm flipH="1">
             <a:off x="14972495" y="7296334"/>
             <a:ext cx="5533751" cy="1961966"/>
           </a:xfrm>
@@ -4673,9 +4587,9 @@
             <a:gdLst/>
             <a:ahLst/>
             <a:cxnLst/>
-            <a:rect r="r" b="b" t="t" l="l"/>
+            <a:rect l="l" t="t" r="r" b="b"/>
             <a:pathLst>
-              <a:path h="1961966" w="5533751">
+              <a:path w="5533751" h="1961966">
                 <a:moveTo>
                   <a:pt x="5533751" y="0"/>
                 </a:moveTo>
@@ -4704,19 +4618,19 @@
               </a:extLst>
             </a:blip>
             <a:stretch>
-              <a:fillRect l="0" t="0" r="0" b="0"/>
+              <a:fillRect/>
             </a:stretch>
           </a:blipFill>
         </p:spPr>
       </p:sp>
       <p:sp>
         <p:nvSpPr>
-          <p:cNvPr name="Freeform 8" id="8"/>
+          <p:cNvPr id="8" name="Freeform 8"/>
           <p:cNvSpPr/>
           <p:nvPr/>
         </p:nvSpPr>
         <p:spPr>
-          <a:xfrm flipH="false" flipV="false" rot="0">
+          <a:xfrm>
             <a:off x="-2218246" y="7296334"/>
             <a:ext cx="5533751" cy="1961966"/>
           </a:xfrm>
@@ -4725,9 +4639,9 @@
             <a:gdLst/>
             <a:ahLst/>
             <a:cxnLst/>
-            <a:rect r="r" b="b" t="t" l="l"/>
+            <a:rect l="l" t="t" r="r" b="b"/>
             <a:pathLst>
-              <a:path h="1961966" w="5533751">
+              <a:path w="5533751" h="1961966">
                 <a:moveTo>
                   <a:pt x="0" y="0"/>
                 </a:moveTo>
@@ -4756,19 +4670,19 @@
               </a:extLst>
             </a:blip>
             <a:stretch>
-              <a:fillRect l="0" t="0" r="0" b="0"/>
+              <a:fillRect/>
             </a:stretch>
           </a:blipFill>
         </p:spPr>
       </p:sp>
       <p:sp>
         <p:nvSpPr>
-          <p:cNvPr name="TextBox 9" id="9"/>
-          <p:cNvSpPr txBox="true"/>
+          <p:cNvPr id="9" name="TextBox 9"/>
+          <p:cNvSpPr txBox="1"/>
           <p:nvPr/>
         </p:nvSpPr>
         <p:spPr>
-          <a:xfrm rot="0">
+          <a:xfrm>
             <a:off x="3187880" y="5440885"/>
             <a:ext cx="11912239" cy="1698625"/>
           </a:xfrm>
@@ -4777,7 +4691,7 @@
           </a:prstGeom>
         </p:spPr>
         <p:txBody>
-          <a:bodyPr anchor="t" rtlCol="false" tIns="0" lIns="0" bIns="0" rIns="0">
+          <a:bodyPr lIns="0" tIns="0" rIns="0" bIns="0" rtlCol="0" anchor="t">
             <a:spAutoFit/>
           </a:bodyPr>
           <a:lstStyle/>
@@ -4801,12 +4715,12 @@
       </p:sp>
       <p:sp>
         <p:nvSpPr>
-          <p:cNvPr name="TextBox 10" id="10"/>
-          <p:cNvSpPr txBox="true"/>
+          <p:cNvPr id="10" name="TextBox 10"/>
+          <p:cNvSpPr txBox="1"/>
           <p:nvPr/>
         </p:nvSpPr>
         <p:spPr>
-          <a:xfrm rot="0">
+          <a:xfrm>
             <a:off x="2170659" y="1924652"/>
             <a:ext cx="13892290" cy="914400"/>
           </a:xfrm>
@@ -4815,7 +4729,7 @@
           </a:prstGeom>
         </p:spPr>
         <p:txBody>
-          <a:bodyPr anchor="t" rtlCol="false" tIns="0" lIns="0" bIns="0" rIns="0">
+          <a:bodyPr lIns="0" tIns="0" rIns="0" bIns="0" rtlCol="0" anchor="t">
             <a:spAutoFit/>
           </a:bodyPr>
           <a:lstStyle/>
@@ -4839,12 +4753,12 @@
       </p:sp>
       <p:grpSp>
         <p:nvGrpSpPr>
-          <p:cNvPr name="Group 11" id="11"/>
+          <p:cNvPr id="11" name="Group 11"/>
           <p:cNvGrpSpPr/>
           <p:nvPr/>
         </p:nvGrpSpPr>
         <p:grpSpPr>
-          <a:xfrm rot="0">
+          <a:xfrm>
             <a:off x="7374448" y="9044945"/>
             <a:ext cx="3539104" cy="617207"/>
             <a:chOff x="0" y="0"/>
@@ -4853,12 +4767,12 @@
         </p:grpSpPr>
         <p:grpSp>
           <p:nvGrpSpPr>
-            <p:cNvPr name="Group 12" id="12"/>
+            <p:cNvPr id="12" name="Group 12"/>
             <p:cNvGrpSpPr/>
             <p:nvPr/>
           </p:nvGrpSpPr>
           <p:grpSpPr>
-            <a:xfrm rot="0">
+            <a:xfrm>
               <a:off x="0" y="0"/>
               <a:ext cx="4718805" cy="822943"/>
               <a:chOff x="0" y="0"/>
@@ -4867,12 +4781,12 @@
           </p:grpSpPr>
           <p:sp>
             <p:nvSpPr>
-              <p:cNvPr name="Freeform 13" id="13"/>
+              <p:cNvPr id="13" name="Freeform 13"/>
               <p:cNvSpPr/>
               <p:nvPr/>
             </p:nvSpPr>
             <p:spPr>
-              <a:xfrm flipH="false" flipV="false" rot="0">
+              <a:xfrm>
                 <a:off x="0" y="0"/>
                 <a:ext cx="1291075" cy="225159"/>
               </a:xfrm>
@@ -4881,9 +4795,9 @@
                 <a:gdLst/>
                 <a:ahLst/>
                 <a:cxnLst/>
-                <a:rect r="r" b="b" t="t" l="l"/>
+                <a:rect l="l" t="t" r="r" b="b"/>
                 <a:pathLst>
-                  <a:path h="225159" w="1291075">
+                  <a:path w="1291075" h="225159">
                     <a:moveTo>
                       <a:pt x="0" y="0"/>
                     </a:moveTo>
@@ -4908,12 +4822,12 @@
         </p:grpSp>
         <p:sp>
           <p:nvSpPr>
-            <p:cNvPr name="TextBox 14" id="14"/>
-            <p:cNvSpPr txBox="true"/>
+            <p:cNvPr id="14" name="TextBox 14"/>
+            <p:cNvSpPr txBox="1"/>
             <p:nvPr/>
           </p:nvSpPr>
           <p:spPr>
-            <a:xfrm rot="0">
+            <a:xfrm>
               <a:off x="307158" y="226475"/>
               <a:ext cx="4104490" cy="408093"/>
             </a:xfrm>
@@ -4922,7 +4836,7 @@
             </a:prstGeom>
           </p:spPr>
           <p:txBody>
-            <a:bodyPr anchor="t" rtlCol="false" tIns="0" lIns="0" bIns="0" rIns="0">
+            <a:bodyPr lIns="0" tIns="0" rIns="0" bIns="0" rtlCol="0" anchor="t">
               <a:spAutoFit/>
             </a:bodyPr>
             <a:lstStyle/>
@@ -4948,12 +4862,12 @@
       </p:grpSp>
       <p:sp>
         <p:nvSpPr>
-          <p:cNvPr name="Freeform 15" id="15"/>
+          <p:cNvPr id="15" name="Freeform 15"/>
           <p:cNvSpPr/>
           <p:nvPr/>
         </p:nvSpPr>
         <p:spPr>
-          <a:xfrm flipH="false" flipV="false" rot="0">
+          <a:xfrm>
             <a:off x="16793505" y="3742304"/>
             <a:ext cx="441616" cy="633141"/>
           </a:xfrm>
@@ -4962,9 +4876,9 @@
             <a:gdLst/>
             <a:ahLst/>
             <a:cxnLst/>
-            <a:rect r="r" b="b" t="t" l="l"/>
+            <a:rect l="l" t="t" r="r" b="b"/>
             <a:pathLst>
-              <a:path h="633141" w="441616">
+              <a:path w="441616" h="633141">
                 <a:moveTo>
                   <a:pt x="0" y="0"/>
                 </a:moveTo>
@@ -4993,19 +4907,19 @@
               </a:extLst>
             </a:blip>
             <a:stretch>
-              <a:fillRect l="0" t="0" r="0" b="0"/>
+              <a:fillRect/>
             </a:stretch>
           </a:blipFill>
         </p:spPr>
       </p:sp>
       <p:sp>
         <p:nvSpPr>
-          <p:cNvPr name="Freeform 16" id="16"/>
+          <p:cNvPr id="16" name="Freeform 16"/>
           <p:cNvSpPr/>
           <p:nvPr/>
         </p:nvSpPr>
         <p:spPr>
-          <a:xfrm flipH="false" flipV="false" rot="0">
+          <a:xfrm>
             <a:off x="1009650" y="1281714"/>
             <a:ext cx="441616" cy="633141"/>
           </a:xfrm>
@@ -5014,9 +4928,9 @@
             <a:gdLst/>
             <a:ahLst/>
             <a:cxnLst/>
-            <a:rect r="r" b="b" t="t" l="l"/>
+            <a:rect l="l" t="t" r="r" b="b"/>
             <a:pathLst>
-              <a:path h="633141" w="441616">
+              <a:path w="441616" h="633141">
                 <a:moveTo>
                   <a:pt x="0" y="0"/>
                 </a:moveTo>
@@ -5045,7 +4959,7 @@
               </a:extLst>
             </a:blip>
             <a:stretch>
-              <a:fillRect l="0" t="0" r="0" b="0"/>
+              <a:fillRect/>
             </a:stretch>
           </a:blipFill>
         </p:spPr>
@@ -5059,7 +4973,7 @@
 </file>
 
 <file path=ppt/slides/slide4.xml><?xml version="1.0" encoding="utf-8"?>
-<p:sld xmlns:p="http://schemas.openxmlformats.org/presentationml/2006/main" xmlns:a="http://schemas.openxmlformats.org/drawingml/2006/main" xmlns:r="http://schemas.openxmlformats.org/officeDocument/2006/relationships">
+<p:sld xmlns:a="http://schemas.openxmlformats.org/drawingml/2006/main" xmlns:r="http://schemas.openxmlformats.org/officeDocument/2006/relationships" xmlns:p="http://schemas.openxmlformats.org/presentationml/2006/main">
   <p:cSld>
     <p:spTree>
       <p:nvGrpSpPr>
@@ -5077,12 +4991,12 @@
       </p:grpSpPr>
       <p:sp>
         <p:nvSpPr>
-          <p:cNvPr name="Freeform 2" id="2"/>
+          <p:cNvPr id="2" name="Freeform 2"/>
           <p:cNvSpPr/>
           <p:nvPr/>
         </p:nvSpPr>
         <p:spPr>
-          <a:xfrm flipH="false" flipV="false" rot="0">
+          <a:xfrm>
             <a:off x="0" y="0"/>
             <a:ext cx="18288000" cy="10287000"/>
           </a:xfrm>
@@ -5091,9 +5005,9 @@
             <a:gdLst/>
             <a:ahLst/>
             <a:cxnLst/>
-            <a:rect r="r" b="b" t="t" l="l"/>
+            <a:rect l="l" t="t" r="r" b="b"/>
             <a:pathLst>
-              <a:path h="10287000" w="18288000">
+              <a:path w="18288000" h="10287000">
                 <a:moveTo>
                   <a:pt x="0" y="0"/>
                 </a:moveTo>
@@ -5116,19 +5030,19 @@
           <a:blipFill>
             <a:blip r:embed="rId2"/>
             <a:stretch>
-              <a:fillRect l="0" t="-24354" r="-1468" b="-56033"/>
+              <a:fillRect t="-24354" r="-1468" b="-56033"/>
             </a:stretch>
           </a:blipFill>
         </p:spPr>
       </p:sp>
       <p:grpSp>
         <p:nvGrpSpPr>
-          <p:cNvPr name="Group 3" id="3"/>
+          <p:cNvPr id="3" name="Group 3"/>
           <p:cNvGrpSpPr/>
           <p:nvPr/>
         </p:nvGrpSpPr>
         <p:grpSpPr>
-          <a:xfrm rot="0">
+          <a:xfrm>
             <a:off x="905495" y="680808"/>
             <a:ext cx="16439375" cy="3503822"/>
             <a:chOff x="0" y="0"/>
@@ -5137,12 +5051,12 @@
         </p:grpSpPr>
         <p:sp>
           <p:nvSpPr>
-            <p:cNvPr name="Freeform 4" id="4"/>
+            <p:cNvPr id="4" name="Freeform 4"/>
             <p:cNvSpPr/>
             <p:nvPr/>
           </p:nvSpPr>
           <p:spPr>
-            <a:xfrm flipH="false" flipV="false" rot="0">
+            <a:xfrm>
               <a:off x="0" y="0"/>
               <a:ext cx="5997129" cy="1278204"/>
             </a:xfrm>
@@ -5151,9 +5065,9 @@
               <a:gdLst/>
               <a:ahLst/>
               <a:cxnLst/>
-              <a:rect r="r" b="b" t="t" l="l"/>
+              <a:rect l="l" t="t" r="r" b="b"/>
               <a:pathLst>
-                <a:path h="1278204" w="5997129">
+                <a:path w="5997129" h="1278204">
                   <a:moveTo>
                     <a:pt x="0" y="0"/>
                   </a:moveTo>
@@ -5178,28 +5092,40 @@
       </p:grpSp>
       <p:graphicFrame>
         <p:nvGraphicFramePr>
-          <p:cNvPr name="Table 5" id="5"/>
+          <p:cNvPr id="5" name="Table 5"/>
           <p:cNvGraphicFramePr>
-            <a:graphicFrameLocks noGrp="true"/>
+            <a:graphicFrameLocks noGrp="1"/>
           </p:cNvGraphicFramePr>
           <p:nvPr/>
         </p:nvGraphicFramePr>
         <p:xfrm>
           <a:off x="905495" y="4534121"/>
-          <a:ext cx="16439375" cy="5150713"/>
+          <a:ext cx="16439375" cy="5150714"/>
         </p:xfrm>
         <a:graphic>
           <a:graphicData uri="http://schemas.openxmlformats.org/drawingml/2006/table">
             <a:tbl>
               <a:tblPr/>
               <a:tblGrid>
-                <a:gridCol w="4986768"/>
-                <a:gridCol w="11452607"/>
+                <a:gridCol w="4986768">
+                  <a:extLst>
+                    <a:ext uri="{9D8B030D-6E8A-4147-A177-3AD203B41FA5}">
+                      <a16:colId xmlns:a16="http://schemas.microsoft.com/office/drawing/2014/main" val="20000"/>
+                    </a:ext>
+                  </a:extLst>
+                </a:gridCol>
+                <a:gridCol w="11452607">
+                  <a:extLst>
+                    <a:ext uri="{9D8B030D-6E8A-4147-A177-3AD203B41FA5}">
+                      <a16:colId xmlns:a16="http://schemas.microsoft.com/office/drawing/2014/main" val="20001"/>
+                    </a:ext>
+                  </a:extLst>
+                </a:gridCol>
               </a:tblGrid>
               <a:tr h="1264425">
                 <a:tc>
                   <a:txBody>
-                    <a:bodyPr anchor="t" rtlCol="false"/>
+                    <a:bodyPr/>
                     <a:lstStyle/>
                     <a:p>
                       <a:pPr algn="ctr">
@@ -5221,7 +5147,7 @@
                     </a:p>
                   </a:txBody>
                   <a:tcPr marL="190500" marR="190500" marT="190500" marB="190500" anchor="ctr">
-                    <a:lnL cmpd="sng" algn="ctr" cap="flat" w="0">
+                    <a:lnL w="0" cap="flat" cmpd="sng" algn="ctr">
                       <a:solidFill>
                         <a:srgbClr val="FFFFFF"/>
                       </a:solidFill>
@@ -5230,7 +5156,7 @@
                       <a:headEnd type="none" w="med" len="med"/>
                       <a:tailEnd type="none" w="med" len="med"/>
                     </a:lnL>
-                    <a:lnR cmpd="sng" algn="ctr" cap="flat" w="19050">
+                    <a:lnR w="19050" cap="flat" cmpd="sng" algn="ctr">
                       <a:solidFill>
                         <a:srgbClr val="CCCCCC"/>
                       </a:solidFill>
@@ -5239,7 +5165,7 @@
                       <a:headEnd type="none" w="med" len="med"/>
                       <a:tailEnd type="none" w="med" len="med"/>
                     </a:lnR>
-                    <a:lnT cmpd="sng" algn="ctr" cap="flat" w="0">
+                    <a:lnT w="0" cap="flat" cmpd="sng" algn="ctr">
                       <a:solidFill>
                         <a:srgbClr val="FFFFFF"/>
                       </a:solidFill>
@@ -5248,7 +5174,7 @@
                       <a:headEnd type="none" w="med" len="med"/>
                       <a:tailEnd type="none" w="med" len="med"/>
                     </a:lnT>
-                    <a:lnB cmpd="sng" algn="ctr" cap="flat" w="19050">
+                    <a:lnB w="19050" cap="flat" cmpd="sng" algn="ctr">
                       <a:solidFill>
                         <a:srgbClr val="CCCCCC"/>
                       </a:solidFill>
@@ -5264,7 +5190,7 @@
                 </a:tc>
                 <a:tc>
                   <a:txBody>
-                    <a:bodyPr anchor="t" rtlCol="false"/>
+                    <a:bodyPr/>
                     <a:lstStyle/>
                     <a:p>
                       <a:pPr algn="ctr">
@@ -5286,7 +5212,7 @@
                     </a:p>
                   </a:txBody>
                   <a:tcPr marL="190500" marR="190500" marT="190500" marB="190500" anchor="ctr">
-                    <a:lnL cmpd="sng" algn="ctr" cap="flat" w="19050">
+                    <a:lnL w="19050" cap="flat" cmpd="sng" algn="ctr">
                       <a:solidFill>
                         <a:srgbClr val="CCCCCC"/>
                       </a:solidFill>
@@ -5295,7 +5221,7 @@
                       <a:headEnd type="none" w="med" len="med"/>
                       <a:tailEnd type="none" w="med" len="med"/>
                     </a:lnL>
-                    <a:lnR cmpd="sng" algn="ctr" cap="flat" w="0">
+                    <a:lnR w="0" cap="flat" cmpd="sng" algn="ctr">
                       <a:solidFill>
                         <a:srgbClr val="FFFFFF"/>
                       </a:solidFill>
@@ -5304,7 +5230,7 @@
                       <a:headEnd type="none" w="med" len="med"/>
                       <a:tailEnd type="none" w="med" len="med"/>
                     </a:lnR>
-                    <a:lnT cmpd="sng" algn="ctr" cap="flat" w="0">
+                    <a:lnT w="0" cap="flat" cmpd="sng" algn="ctr">
                       <a:solidFill>
                         <a:srgbClr val="FFFFFF"/>
                       </a:solidFill>
@@ -5313,7 +5239,7 @@
                       <a:headEnd type="none" w="med" len="med"/>
                       <a:tailEnd type="none" w="med" len="med"/>
                     </a:lnT>
-                    <a:lnB cmpd="sng" algn="ctr" cap="flat" w="19050">
+                    <a:lnB w="19050" cap="flat" cmpd="sng" algn="ctr">
                       <a:solidFill>
                         <a:srgbClr val="CCCCCC"/>
                       </a:solidFill>
@@ -5327,11 +5253,16 @@
                     </a:solidFill>
                   </a:tcPr>
                 </a:tc>
+                <a:extLst>
+                  <a:ext uri="{0D108BD9-81ED-4DB2-BD59-A6C34878D82A}">
+                    <a16:rowId xmlns:a16="http://schemas.microsoft.com/office/drawing/2014/main" val="10000"/>
+                  </a:ext>
+                </a:extLst>
               </a:tr>
               <a:tr h="1296175">
                 <a:tc>
                   <a:txBody>
-                    <a:bodyPr anchor="t" rtlCol="false"/>
+                    <a:bodyPr/>
                     <a:lstStyle/>
                     <a:p>
                       <a:pPr algn="ctr">
@@ -5353,7 +5284,7 @@
                     </a:p>
                   </a:txBody>
                   <a:tcPr marL="190500" marR="190500" marT="190500" marB="190500" anchor="ctr">
-                    <a:lnL cmpd="sng" algn="ctr" cap="flat" w="0">
+                    <a:lnL w="0" cap="flat" cmpd="sng" algn="ctr">
                       <a:solidFill>
                         <a:srgbClr val="FFFFFF"/>
                       </a:solidFill>
@@ -5362,7 +5293,7 @@
                       <a:headEnd type="none" w="med" len="med"/>
                       <a:tailEnd type="none" w="med" len="med"/>
                     </a:lnL>
-                    <a:lnR cmpd="sng" algn="ctr" cap="flat" w="19050">
+                    <a:lnR w="19050" cap="flat" cmpd="sng" algn="ctr">
                       <a:solidFill>
                         <a:srgbClr val="CCCCCC"/>
                       </a:solidFill>
@@ -5371,7 +5302,7 @@
                       <a:headEnd type="none" w="med" len="med"/>
                       <a:tailEnd type="none" w="med" len="med"/>
                     </a:lnR>
-                    <a:lnT cmpd="sng" algn="ctr" cap="flat" w="19050">
+                    <a:lnT w="19050" cap="flat" cmpd="sng" algn="ctr">
                       <a:solidFill>
                         <a:srgbClr val="CCCCCC"/>
                       </a:solidFill>
@@ -5380,7 +5311,7 @@
                       <a:headEnd type="none" w="med" len="med"/>
                       <a:tailEnd type="none" w="med" len="med"/>
                     </a:lnT>
-                    <a:lnB cmpd="sng" algn="ctr" cap="flat" w="19050">
+                    <a:lnB w="19050" cap="flat" cmpd="sng" algn="ctr">
                       <a:solidFill>
                         <a:srgbClr val="CCCCCC"/>
                       </a:solidFill>
@@ -5396,7 +5327,7 @@
                 </a:tc>
                 <a:tc>
                   <a:txBody>
-                    <a:bodyPr anchor="t" rtlCol="false"/>
+                    <a:bodyPr/>
                     <a:lstStyle/>
                     <a:p>
                       <a:pPr algn="ctr">
@@ -5418,7 +5349,7 @@
                     </a:p>
                   </a:txBody>
                   <a:tcPr marL="190500" marR="190500" marT="190500" marB="190500" anchor="ctr">
-                    <a:lnL cmpd="sng" algn="ctr" cap="flat" w="19050">
+                    <a:lnL w="19050" cap="flat" cmpd="sng" algn="ctr">
                       <a:solidFill>
                         <a:srgbClr val="CCCCCC"/>
                       </a:solidFill>
@@ -5427,7 +5358,7 @@
                       <a:headEnd type="none" w="med" len="med"/>
                       <a:tailEnd type="none" w="med" len="med"/>
                     </a:lnL>
-                    <a:lnR cmpd="sng" algn="ctr" cap="flat" w="0">
+                    <a:lnR w="0" cap="flat" cmpd="sng" algn="ctr">
                       <a:solidFill>
                         <a:srgbClr val="FFFFFF"/>
                       </a:solidFill>
@@ -5436,7 +5367,7 @@
                       <a:headEnd type="none" w="med" len="med"/>
                       <a:tailEnd type="none" w="med" len="med"/>
                     </a:lnR>
-                    <a:lnT cmpd="sng" algn="ctr" cap="flat" w="19050">
+                    <a:lnT w="19050" cap="flat" cmpd="sng" algn="ctr">
                       <a:solidFill>
                         <a:srgbClr val="CCCCCC"/>
                       </a:solidFill>
@@ -5445,7 +5376,7 @@
                       <a:headEnd type="none" w="med" len="med"/>
                       <a:tailEnd type="none" w="med" len="med"/>
                     </a:lnT>
-                    <a:lnB cmpd="sng" algn="ctr" cap="flat" w="19050">
+                    <a:lnB w="19050" cap="flat" cmpd="sng" algn="ctr">
                       <a:solidFill>
                         <a:srgbClr val="CCCCCC"/>
                       </a:solidFill>
@@ -5459,11 +5390,16 @@
                     </a:solidFill>
                   </a:tcPr>
                 </a:tc>
+                <a:extLst>
+                  <a:ext uri="{0D108BD9-81ED-4DB2-BD59-A6C34878D82A}">
+                    <a16:rowId xmlns:a16="http://schemas.microsoft.com/office/drawing/2014/main" val="10001"/>
+                  </a:ext>
+                </a:extLst>
               </a:tr>
               <a:tr h="1295057">
                 <a:tc>
                   <a:txBody>
-                    <a:bodyPr anchor="t" rtlCol="false"/>
+                    <a:bodyPr/>
                     <a:lstStyle/>
                     <a:p>
                       <a:pPr algn="ctr">
@@ -5485,7 +5421,7 @@
                     </a:p>
                   </a:txBody>
                   <a:tcPr marL="190500" marR="190500" marT="190500" marB="190500" anchor="ctr">
-                    <a:lnL cmpd="sng" algn="ctr" cap="flat" w="0">
+                    <a:lnL w="0" cap="flat" cmpd="sng" algn="ctr">
                       <a:solidFill>
                         <a:srgbClr val="FFFFFF"/>
                       </a:solidFill>
@@ -5494,7 +5430,7 @@
                       <a:headEnd type="none" w="med" len="med"/>
                       <a:tailEnd type="none" w="med" len="med"/>
                     </a:lnL>
-                    <a:lnR cmpd="sng" algn="ctr" cap="flat" w="19050">
+                    <a:lnR w="19050" cap="flat" cmpd="sng" algn="ctr">
                       <a:solidFill>
                         <a:srgbClr val="CCCCCC"/>
                       </a:solidFill>
@@ -5503,7 +5439,7 @@
                       <a:headEnd type="none" w="med" len="med"/>
                       <a:tailEnd type="none" w="med" len="med"/>
                     </a:lnR>
-                    <a:lnT cmpd="sng" algn="ctr" cap="flat" w="19050">
+                    <a:lnT w="19050" cap="flat" cmpd="sng" algn="ctr">
                       <a:solidFill>
                         <a:srgbClr val="CCCCCC"/>
                       </a:solidFill>
@@ -5512,7 +5448,7 @@
                       <a:headEnd type="none" w="med" len="med"/>
                       <a:tailEnd type="none" w="med" len="med"/>
                     </a:lnT>
-                    <a:lnB cmpd="sng" algn="ctr" cap="flat" w="0">
+                    <a:lnB w="0" cap="flat" cmpd="sng" algn="ctr">
                       <a:solidFill>
                         <a:srgbClr val="FFFFFF"/>
                       </a:solidFill>
@@ -5528,7 +5464,7 @@
                 </a:tc>
                 <a:tc>
                   <a:txBody>
-                    <a:bodyPr anchor="t" rtlCol="false"/>
+                    <a:bodyPr/>
                     <a:lstStyle/>
                     <a:p>
                       <a:pPr algn="ctr">
@@ -5550,7 +5486,7 @@
                     </a:p>
                   </a:txBody>
                   <a:tcPr marL="190500" marR="190500" marT="190500" marB="190500" anchor="ctr">
-                    <a:lnL cmpd="sng" algn="ctr" cap="flat" w="19050">
+                    <a:lnL w="19050" cap="flat" cmpd="sng" algn="ctr">
                       <a:solidFill>
                         <a:srgbClr val="CCCCCC"/>
                       </a:solidFill>
@@ -5559,7 +5495,7 @@
                       <a:headEnd type="none" w="med" len="med"/>
                       <a:tailEnd type="none" w="med" len="med"/>
                     </a:lnL>
-                    <a:lnR cmpd="sng" algn="ctr" cap="flat" w="0">
+                    <a:lnR w="0" cap="flat" cmpd="sng" algn="ctr">
                       <a:solidFill>
                         <a:srgbClr val="FFFFFF"/>
                       </a:solidFill>
@@ -5568,7 +5504,7 @@
                       <a:headEnd type="none" w="med" len="med"/>
                       <a:tailEnd type="none" w="med" len="med"/>
                     </a:lnR>
-                    <a:lnT cmpd="sng" algn="ctr" cap="flat" w="19050">
+                    <a:lnT w="19050" cap="flat" cmpd="sng" algn="ctr">
                       <a:solidFill>
                         <a:srgbClr val="CCCCCC"/>
                       </a:solidFill>
@@ -5577,7 +5513,7 @@
                       <a:headEnd type="none" w="med" len="med"/>
                       <a:tailEnd type="none" w="med" len="med"/>
                     </a:lnT>
-                    <a:lnB cmpd="sng" algn="ctr" cap="flat" w="0">
+                    <a:lnB w="0" cap="flat" cmpd="sng" algn="ctr">
                       <a:solidFill>
                         <a:srgbClr val="FFFFFF"/>
                       </a:solidFill>
@@ -5591,11 +5527,16 @@
                     </a:solidFill>
                   </a:tcPr>
                 </a:tc>
+                <a:extLst>
+                  <a:ext uri="{0D108BD9-81ED-4DB2-BD59-A6C34878D82A}">
+                    <a16:rowId xmlns:a16="http://schemas.microsoft.com/office/drawing/2014/main" val="10002"/>
+                  </a:ext>
+                </a:extLst>
               </a:tr>
               <a:tr h="1295057">
                 <a:tc>
                   <a:txBody>
-                    <a:bodyPr anchor="t" rtlCol="false"/>
+                    <a:bodyPr/>
                     <a:lstStyle/>
                     <a:p>
                       <a:pPr algn="ctr">
@@ -5617,7 +5558,7 @@
                     </a:p>
                   </a:txBody>
                   <a:tcPr marL="190500" marR="190500" marT="190500" marB="190500" anchor="ctr">
-                    <a:lnL cmpd="sng" algn="ctr" cap="flat" w="0">
+                    <a:lnL w="0" cap="flat" cmpd="sng" algn="ctr">
                       <a:solidFill>
                         <a:srgbClr val="FFFFFF"/>
                       </a:solidFill>
@@ -5626,7 +5567,7 @@
                       <a:headEnd type="none" w="med" len="med"/>
                       <a:tailEnd type="none" w="med" len="med"/>
                     </a:lnL>
-                    <a:lnR cmpd="sng" algn="ctr" cap="flat" w="19050">
+                    <a:lnR w="19050" cap="flat" cmpd="sng" algn="ctr">
                       <a:solidFill>
                         <a:srgbClr val="CCCCCC"/>
                       </a:solidFill>
@@ -5635,16 +5576,16 @@
                       <a:headEnd type="none" w="med" len="med"/>
                       <a:tailEnd type="none" w="med" len="med"/>
                     </a:lnR>
-                    <a:lnT cmpd="sng" algn="ctr" cap="flat" w="19050">
+                    <a:lnT w="0" cap="flat" cmpd="sng" algn="ctr">
                       <a:solidFill>
-                        <a:srgbClr val="CCCCCC"/>
+                        <a:srgbClr val="FFFFFF"/>
                       </a:solidFill>
                       <a:prstDash val="solid"/>
                       <a:round/>
                       <a:headEnd type="none" w="med" len="med"/>
                       <a:tailEnd type="none" w="med" len="med"/>
                     </a:lnT>
-                    <a:lnB cmpd="sng" algn="ctr" cap="flat" w="0">
+                    <a:lnB w="0" cap="flat" cmpd="sng" algn="ctr">
                       <a:solidFill>
                         <a:srgbClr val="FFFFFF"/>
                       </a:solidFill>
@@ -5660,7 +5601,7 @@
                 </a:tc>
                 <a:tc>
                   <a:txBody>
-                    <a:bodyPr anchor="t" rtlCol="false"/>
+                    <a:bodyPr/>
                     <a:lstStyle/>
                     <a:p>
                       <a:pPr algn="ctr">
@@ -5682,7 +5623,7 @@
                     </a:p>
                   </a:txBody>
                   <a:tcPr marL="190500" marR="190500" marT="190500" marB="190500" anchor="ctr">
-                    <a:lnL cmpd="sng" algn="ctr" cap="flat" w="19050">
+                    <a:lnL w="19050" cap="flat" cmpd="sng" algn="ctr">
                       <a:solidFill>
                         <a:srgbClr val="CCCCCC"/>
                       </a:solidFill>
@@ -5691,7 +5632,7 @@
                       <a:headEnd type="none" w="med" len="med"/>
                       <a:tailEnd type="none" w="med" len="med"/>
                     </a:lnL>
-                    <a:lnR cmpd="sng" algn="ctr" cap="flat" w="0">
+                    <a:lnR w="0" cap="flat" cmpd="sng" algn="ctr">
                       <a:solidFill>
                         <a:srgbClr val="FFFFFF"/>
                       </a:solidFill>
@@ -5700,16 +5641,16 @@
                       <a:headEnd type="none" w="med" len="med"/>
                       <a:tailEnd type="none" w="med" len="med"/>
                     </a:lnR>
-                    <a:lnT cmpd="sng" algn="ctr" cap="flat" w="19050">
+                    <a:lnT w="0" cap="flat" cmpd="sng" algn="ctr">
                       <a:solidFill>
-                        <a:srgbClr val="CCCCCC"/>
+                        <a:srgbClr val="FFFFFF"/>
                       </a:solidFill>
                       <a:prstDash val="solid"/>
                       <a:round/>
                       <a:headEnd type="none" w="med" len="med"/>
                       <a:tailEnd type="none" w="med" len="med"/>
                     </a:lnT>
-                    <a:lnB cmpd="sng" algn="ctr" cap="flat" w="0">
+                    <a:lnB w="0" cap="flat" cmpd="sng" algn="ctr">
                       <a:solidFill>
                         <a:srgbClr val="FFFFFF"/>
                       </a:solidFill>
@@ -5723,6 +5664,11 @@
                     </a:solidFill>
                   </a:tcPr>
                 </a:tc>
+                <a:extLst>
+                  <a:ext uri="{0D108BD9-81ED-4DB2-BD59-A6C34878D82A}">
+                    <a16:rowId xmlns:a16="http://schemas.microsoft.com/office/drawing/2014/main" val="10003"/>
+                  </a:ext>
+                </a:extLst>
               </a:tr>
             </a:tbl>
           </a:graphicData>
@@ -5730,12 +5676,12 @@
       </p:graphicFrame>
       <p:sp>
         <p:nvSpPr>
-          <p:cNvPr name="Freeform 6" id="6"/>
+          <p:cNvPr id="6" name="Freeform 6"/>
           <p:cNvSpPr/>
           <p:nvPr/>
         </p:nvSpPr>
         <p:spPr>
-          <a:xfrm flipH="false" flipV="false" rot="0">
+          <a:xfrm>
             <a:off x="11989663" y="8797919"/>
             <a:ext cx="7147788" cy="1728465"/>
           </a:xfrm>
@@ -5744,9 +5690,9 @@
             <a:gdLst/>
             <a:ahLst/>
             <a:cxnLst/>
-            <a:rect r="r" b="b" t="t" l="l"/>
+            <a:rect l="l" t="t" r="r" b="b"/>
             <a:pathLst>
-              <a:path h="1728465" w="7147788">
+              <a:path w="7147788" h="1728465">
                 <a:moveTo>
                   <a:pt x="0" y="0"/>
                 </a:moveTo>
@@ -5775,19 +5721,19 @@
               </a:extLst>
             </a:blip>
             <a:stretch>
-              <a:fillRect l="0" t="0" r="0" b="0"/>
+              <a:fillRect/>
             </a:stretch>
           </a:blipFill>
         </p:spPr>
       </p:sp>
       <p:sp>
         <p:nvSpPr>
-          <p:cNvPr name="Freeform 7" id="7"/>
+          <p:cNvPr id="7" name="Freeform 7"/>
           <p:cNvSpPr/>
           <p:nvPr/>
         </p:nvSpPr>
         <p:spPr>
-          <a:xfrm flipH="false" flipV="false" rot="0">
+          <a:xfrm>
             <a:off x="11702764" y="8942224"/>
             <a:ext cx="573798" cy="822649"/>
           </a:xfrm>
@@ -5796,9 +5742,9 @@
             <a:gdLst/>
             <a:ahLst/>
             <a:cxnLst/>
-            <a:rect r="r" b="b" t="t" l="l"/>
+            <a:rect l="l" t="t" r="r" b="b"/>
             <a:pathLst>
-              <a:path h="822649" w="573798">
+              <a:path w="573798" h="822649">
                 <a:moveTo>
                   <a:pt x="0" y="0"/>
                 </a:moveTo>
@@ -5827,19 +5773,19 @@
               </a:extLst>
             </a:blip>
             <a:stretch>
-              <a:fillRect l="0" t="0" r="0" b="0"/>
+              <a:fillRect/>
             </a:stretch>
           </a:blipFill>
         </p:spPr>
       </p:sp>
       <p:sp>
         <p:nvSpPr>
-          <p:cNvPr name="Freeform 8" id="8"/>
+          <p:cNvPr id="8" name="Freeform 8"/>
           <p:cNvSpPr/>
           <p:nvPr/>
         </p:nvSpPr>
         <p:spPr>
-          <a:xfrm flipH="false" flipV="false" rot="0">
+          <a:xfrm>
             <a:off x="3318882" y="-411324"/>
             <a:ext cx="573798" cy="822649"/>
           </a:xfrm>
@@ -5848,9 +5794,9 @@
             <a:gdLst/>
             <a:ahLst/>
             <a:cxnLst/>
-            <a:rect r="r" b="b" t="t" l="l"/>
+            <a:rect l="l" t="t" r="r" b="b"/>
             <a:pathLst>
-              <a:path h="822649" w="573798">
+              <a:path w="573798" h="822649">
                 <a:moveTo>
                   <a:pt x="0" y="0"/>
                 </a:moveTo>
@@ -5879,19 +5825,19 @@
               </a:extLst>
             </a:blip>
             <a:stretch>
-              <a:fillRect l="0" t="0" r="0" b="0"/>
+              <a:fillRect/>
             </a:stretch>
           </a:blipFill>
         </p:spPr>
       </p:sp>
       <p:sp>
         <p:nvSpPr>
-          <p:cNvPr name="Freeform 9" id="9"/>
+          <p:cNvPr id="9" name="Freeform 9"/>
           <p:cNvSpPr/>
           <p:nvPr/>
         </p:nvSpPr>
         <p:spPr>
-          <a:xfrm flipH="false" flipV="false" rot="0">
+          <a:xfrm>
             <a:off x="-608297" y="158885"/>
             <a:ext cx="3927179" cy="1392364"/>
           </a:xfrm>
@@ -5900,9 +5846,9 @@
             <a:gdLst/>
             <a:ahLst/>
             <a:cxnLst/>
-            <a:rect r="r" b="b" t="t" l="l"/>
+            <a:rect l="l" t="t" r="r" b="b"/>
             <a:pathLst>
-              <a:path h="1392364" w="3927179">
+              <a:path w="3927179" h="1392364">
                 <a:moveTo>
                   <a:pt x="0" y="0"/>
                 </a:moveTo>
@@ -5931,19 +5877,19 @@
               </a:extLst>
             </a:blip>
             <a:stretch>
-              <a:fillRect l="0" t="0" r="0" b="0"/>
+              <a:fillRect/>
             </a:stretch>
           </a:blipFill>
         </p:spPr>
       </p:sp>
       <p:sp>
         <p:nvSpPr>
-          <p:cNvPr name="TextBox 10" id="10"/>
-          <p:cNvSpPr txBox="true"/>
+          <p:cNvPr id="10" name="TextBox 10"/>
+          <p:cNvSpPr txBox="1"/>
           <p:nvPr/>
         </p:nvSpPr>
         <p:spPr>
-          <a:xfrm rot="0">
+          <a:xfrm>
             <a:off x="2460195" y="1247996"/>
             <a:ext cx="13395565" cy="2457450"/>
           </a:xfrm>
@@ -5952,7 +5898,7 @@
           </a:prstGeom>
         </p:spPr>
         <p:txBody>
-          <a:bodyPr anchor="t" rtlCol="false" tIns="0" lIns="0" bIns="0" rIns="0">
+          <a:bodyPr lIns="0" tIns="0" rIns="0" bIns="0" rtlCol="0" anchor="t">
             <a:spAutoFit/>
           </a:bodyPr>
           <a:lstStyle/>
@@ -5983,7 +5929,7 @@
 </file>
 
 <file path=ppt/slides/slide5.xml><?xml version="1.0" encoding="utf-8"?>
-<p:sld xmlns:p="http://schemas.openxmlformats.org/presentationml/2006/main" xmlns:a="http://schemas.openxmlformats.org/drawingml/2006/main" xmlns:r="http://schemas.openxmlformats.org/officeDocument/2006/relationships">
+<p:sld xmlns:a="http://schemas.openxmlformats.org/drawingml/2006/main" xmlns:r="http://schemas.openxmlformats.org/officeDocument/2006/relationships" xmlns:p="http://schemas.openxmlformats.org/presentationml/2006/main">
   <p:cSld>
     <p:spTree>
       <p:nvGrpSpPr>
@@ -6001,12 +5947,12 @@
       </p:grpSpPr>
       <p:sp>
         <p:nvSpPr>
-          <p:cNvPr name="Freeform 2" id="2"/>
+          <p:cNvPr id="2" name="Freeform 2"/>
           <p:cNvSpPr/>
           <p:nvPr/>
         </p:nvSpPr>
         <p:spPr>
-          <a:xfrm flipH="false" flipV="false" rot="0">
+          <a:xfrm>
             <a:off x="0" y="0"/>
             <a:ext cx="18288000" cy="10287000"/>
           </a:xfrm>
@@ -6015,9 +5961,9 @@
             <a:gdLst/>
             <a:ahLst/>
             <a:cxnLst/>
-            <a:rect r="r" b="b" t="t" l="l"/>
+            <a:rect l="l" t="t" r="r" b="b"/>
             <a:pathLst>
-              <a:path h="10287000" w="18288000">
+              <a:path w="18288000" h="10287000">
                 <a:moveTo>
                   <a:pt x="0" y="0"/>
                 </a:moveTo>
@@ -6040,19 +5986,19 @@
           <a:blipFill>
             <a:blip r:embed="rId2"/>
             <a:stretch>
-              <a:fillRect l="0" t="-24354" r="-1468" b="-56033"/>
+              <a:fillRect t="-24354" r="-1468" b="-56033"/>
             </a:stretch>
           </a:blipFill>
         </p:spPr>
       </p:sp>
       <p:grpSp>
         <p:nvGrpSpPr>
-          <p:cNvPr name="Group 3" id="3"/>
+          <p:cNvPr id="3" name="Group 3"/>
           <p:cNvGrpSpPr/>
           <p:nvPr/>
         </p:nvGrpSpPr>
         <p:grpSpPr>
-          <a:xfrm rot="0">
+          <a:xfrm>
             <a:off x="905495" y="657204"/>
             <a:ext cx="16436355" cy="1907038"/>
             <a:chOff x="0" y="0"/>
@@ -6061,12 +6007,12 @@
         </p:grpSpPr>
         <p:sp>
           <p:nvSpPr>
-            <p:cNvPr name="Freeform 4" id="4"/>
+            <p:cNvPr id="4" name="Freeform 4"/>
             <p:cNvSpPr/>
             <p:nvPr/>
           </p:nvSpPr>
           <p:spPr>
-            <a:xfrm flipH="false" flipV="false" rot="0">
+            <a:xfrm>
               <a:off x="0" y="0"/>
               <a:ext cx="5996027" cy="695693"/>
             </a:xfrm>
@@ -6075,9 +6021,9 @@
               <a:gdLst/>
               <a:ahLst/>
               <a:cxnLst/>
-              <a:rect r="r" b="b" t="t" l="l"/>
+              <a:rect l="l" t="t" r="r" b="b"/>
               <a:pathLst>
-                <a:path h="695693" w="5996027">
+                <a:path w="5996027" h="695693">
                   <a:moveTo>
                     <a:pt x="0" y="0"/>
                   </a:moveTo>
@@ -6102,12 +6048,12 @@
       </p:grpSp>
       <p:grpSp>
         <p:nvGrpSpPr>
-          <p:cNvPr name="Group 5" id="5"/>
+          <p:cNvPr id="5" name="Group 5"/>
           <p:cNvGrpSpPr/>
           <p:nvPr/>
         </p:nvGrpSpPr>
         <p:grpSpPr>
-          <a:xfrm rot="0">
+          <a:xfrm>
             <a:off x="905495" y="2924154"/>
             <a:ext cx="16436355" cy="5768915"/>
             <a:chOff x="0" y="0"/>
@@ -6116,12 +6062,12 @@
         </p:grpSpPr>
         <p:sp>
           <p:nvSpPr>
-            <p:cNvPr name="Freeform 6" id="6"/>
+            <p:cNvPr id="6" name="Freeform 6"/>
             <p:cNvSpPr/>
             <p:nvPr/>
           </p:nvSpPr>
           <p:spPr>
-            <a:xfrm flipH="false" flipV="false" rot="0">
+            <a:xfrm>
               <a:off x="0" y="0"/>
               <a:ext cx="5996027" cy="2104516"/>
             </a:xfrm>
@@ -6130,9 +6076,9 @@
               <a:gdLst/>
               <a:ahLst/>
               <a:cxnLst/>
-              <a:rect r="r" b="b" t="t" l="l"/>
+              <a:rect l="l" t="t" r="r" b="b"/>
               <a:pathLst>
-                <a:path h="2104516" w="5996027">
+                <a:path w="5996027" h="2104516">
                   <a:moveTo>
                     <a:pt x="0" y="0"/>
                   </a:moveTo>
@@ -6157,12 +6103,12 @@
       </p:grpSp>
       <p:sp>
         <p:nvSpPr>
-          <p:cNvPr name="Freeform 7" id="7"/>
+          <p:cNvPr id="7" name="Freeform 7"/>
           <p:cNvSpPr/>
           <p:nvPr/>
         </p:nvSpPr>
         <p:spPr>
-          <a:xfrm flipH="true" flipV="false" rot="0">
+          <a:xfrm flipH="1">
             <a:off x="12499244" y="3493441"/>
             <a:ext cx="2203055" cy="2433093"/>
           </a:xfrm>
@@ -6171,9 +6117,9 @@
             <a:gdLst/>
             <a:ahLst/>
             <a:cxnLst/>
-            <a:rect r="r" b="b" t="t" l="l"/>
+            <a:rect l="l" t="t" r="r" b="b"/>
             <a:pathLst>
-              <a:path h="2433093" w="2203055">
+              <a:path w="2203055" h="2433093">
                 <a:moveTo>
                   <a:pt x="2203055" y="0"/>
                 </a:moveTo>
@@ -6202,19 +6148,19 @@
               </a:extLst>
             </a:blip>
             <a:stretch>
-              <a:fillRect l="0" t="0" r="0" b="0"/>
+              <a:fillRect/>
             </a:stretch>
           </a:blipFill>
         </p:spPr>
       </p:sp>
       <p:sp>
         <p:nvSpPr>
-          <p:cNvPr name="Freeform 8" id="8"/>
+          <p:cNvPr id="8" name="Freeform 8"/>
           <p:cNvSpPr/>
           <p:nvPr/>
         </p:nvSpPr>
         <p:spPr>
-          <a:xfrm flipH="false" flipV="false" rot="0">
+          <a:xfrm>
             <a:off x="3328799" y="3493441"/>
             <a:ext cx="2553819" cy="2433093"/>
           </a:xfrm>
@@ -6223,9 +6169,9 @@
             <a:gdLst/>
             <a:ahLst/>
             <a:cxnLst/>
-            <a:rect r="r" b="b" t="t" l="l"/>
+            <a:rect l="l" t="t" r="r" b="b"/>
             <a:pathLst>
-              <a:path h="2433093" w="2553819">
+              <a:path w="2553819" h="2433093">
                 <a:moveTo>
                   <a:pt x="0" y="0"/>
                 </a:moveTo>
@@ -6254,19 +6200,19 @@
               </a:extLst>
             </a:blip>
             <a:stretch>
-              <a:fillRect l="0" t="0" r="0" b="0"/>
+              <a:fillRect/>
             </a:stretch>
           </a:blipFill>
         </p:spPr>
       </p:sp>
       <p:sp>
         <p:nvSpPr>
-          <p:cNvPr name="TextBox 9" id="9"/>
-          <p:cNvSpPr txBox="true"/>
+          <p:cNvPr id="9" name="TextBox 9"/>
+          <p:cNvSpPr txBox="1"/>
           <p:nvPr/>
         </p:nvSpPr>
         <p:spPr>
-          <a:xfrm rot="0">
+          <a:xfrm>
             <a:off x="2391317" y="1086848"/>
             <a:ext cx="13505366" cy="885825"/>
           </a:xfrm>
@@ -6275,7 +6221,7 @@
           </a:prstGeom>
         </p:spPr>
         <p:txBody>
-          <a:bodyPr anchor="t" rtlCol="false" tIns="0" lIns="0" bIns="0" rIns="0">
+          <a:bodyPr lIns="0" tIns="0" rIns="0" bIns="0" rtlCol="0" anchor="t">
             <a:spAutoFit/>
           </a:bodyPr>
           <a:lstStyle/>
@@ -6299,12 +6245,12 @@
       </p:sp>
       <p:sp>
         <p:nvSpPr>
-          <p:cNvPr name="TextBox 10" id="10"/>
-          <p:cNvSpPr txBox="true"/>
+          <p:cNvPr id="10" name="TextBox 10"/>
+          <p:cNvSpPr txBox="1"/>
           <p:nvPr/>
         </p:nvSpPr>
         <p:spPr>
-          <a:xfrm rot="0">
+          <a:xfrm>
             <a:off x="1675747" y="6885863"/>
             <a:ext cx="5859923" cy="504825"/>
           </a:xfrm>
@@ -6313,7 +6259,7 @@
           </a:prstGeom>
         </p:spPr>
         <p:txBody>
-          <a:bodyPr anchor="t" rtlCol="false" tIns="0" lIns="0" bIns="0" rIns="0">
+          <a:bodyPr lIns="0" tIns="0" rIns="0" bIns="0" rtlCol="0" anchor="t">
             <a:spAutoFit/>
           </a:bodyPr>
           <a:lstStyle/>
@@ -6337,12 +6283,12 @@
       </p:sp>
       <p:sp>
         <p:nvSpPr>
-          <p:cNvPr name="TextBox 11" id="11"/>
-          <p:cNvSpPr txBox="true"/>
+          <p:cNvPr id="11" name="TextBox 11"/>
+          <p:cNvSpPr txBox="1"/>
           <p:nvPr/>
         </p:nvSpPr>
         <p:spPr>
-          <a:xfrm rot="0">
+          <a:xfrm>
             <a:off x="9942243" y="6885863"/>
             <a:ext cx="7317057" cy="1019175"/>
           </a:xfrm>
@@ -6351,7 +6297,7 @@
           </a:prstGeom>
         </p:spPr>
         <p:txBody>
-          <a:bodyPr anchor="t" rtlCol="false" tIns="0" lIns="0" bIns="0" rIns="0">
+          <a:bodyPr lIns="0" tIns="0" rIns="0" bIns="0" rtlCol="0" anchor="t">
             <a:spAutoFit/>
           </a:bodyPr>
           <a:lstStyle/>
@@ -6375,12 +6321,12 @@
       </p:sp>
       <p:sp>
         <p:nvSpPr>
-          <p:cNvPr name="Freeform 12" id="12"/>
+          <p:cNvPr id="12" name="Freeform 12"/>
           <p:cNvSpPr/>
           <p:nvPr/>
         </p:nvSpPr>
         <p:spPr>
-          <a:xfrm flipH="true" flipV="false" rot="0">
+          <a:xfrm flipH="1">
             <a:off x="15484919" y="8123782"/>
             <a:ext cx="4585506" cy="1625770"/>
           </a:xfrm>
@@ -6389,9 +6335,9 @@
             <a:gdLst/>
             <a:ahLst/>
             <a:cxnLst/>
-            <a:rect r="r" b="b" t="t" l="l"/>
+            <a:rect l="l" t="t" r="r" b="b"/>
             <a:pathLst>
-              <a:path h="1625770" w="4585506">
+              <a:path w="4585506" h="1625770">
                 <a:moveTo>
                   <a:pt x="4585506" y="0"/>
                 </a:moveTo>
@@ -6420,19 +6366,19 @@
               </a:extLst>
             </a:blip>
             <a:stretch>
-              <a:fillRect l="0" t="0" r="0" b="0"/>
+              <a:fillRect/>
             </a:stretch>
           </a:blipFill>
         </p:spPr>
       </p:sp>
       <p:sp>
         <p:nvSpPr>
-          <p:cNvPr name="Freeform 13" id="13"/>
+          <p:cNvPr id="13" name="Freeform 13"/>
           <p:cNvSpPr/>
           <p:nvPr/>
         </p:nvSpPr>
         <p:spPr>
-          <a:xfrm flipH="false" flipV="false" rot="0">
+          <a:xfrm>
             <a:off x="-1782425" y="8123782"/>
             <a:ext cx="4585506" cy="1625770"/>
           </a:xfrm>
@@ -6441,9 +6387,9 @@
             <a:gdLst/>
             <a:ahLst/>
             <a:cxnLst/>
-            <a:rect r="r" b="b" t="t" l="l"/>
+            <a:rect l="l" t="t" r="r" b="b"/>
             <a:pathLst>
-              <a:path h="1625770" w="4585506">
+              <a:path w="4585506" h="1625770">
                 <a:moveTo>
                   <a:pt x="0" y="0"/>
                 </a:moveTo>
@@ -6472,19 +6418,19 @@
               </a:extLst>
             </a:blip>
             <a:stretch>
-              <a:fillRect l="0" t="0" r="0" b="0"/>
+              <a:fillRect/>
             </a:stretch>
           </a:blipFill>
         </p:spPr>
       </p:sp>
       <p:sp>
         <p:nvSpPr>
-          <p:cNvPr name="Freeform 14" id="14"/>
+          <p:cNvPr id="14" name="Freeform 14"/>
           <p:cNvSpPr/>
           <p:nvPr/>
         </p:nvSpPr>
         <p:spPr>
-          <a:xfrm flipH="false" flipV="false" rot="641794">
+          <a:xfrm rot="641794">
             <a:off x="8923192" y="-178822"/>
             <a:ext cx="441616" cy="633141"/>
           </a:xfrm>
@@ -6493,9 +6439,9 @@
             <a:gdLst/>
             <a:ahLst/>
             <a:cxnLst/>
-            <a:rect r="r" b="b" t="t" l="l"/>
+            <a:rect l="l" t="t" r="r" b="b"/>
             <a:pathLst>
-              <a:path h="633141" w="441616">
+              <a:path w="441616" h="633141">
                 <a:moveTo>
                   <a:pt x="0" y="0"/>
                 </a:moveTo>
@@ -6524,7 +6470,7 @@
               </a:extLst>
             </a:blip>
             <a:stretch>
-              <a:fillRect l="0" t="0" r="0" b="0"/>
+              <a:fillRect/>
             </a:stretch>
           </a:blipFill>
         </p:spPr>
@@ -6538,7 +6484,7 @@
 </file>
 
 <file path=ppt/slides/slide6.xml><?xml version="1.0" encoding="utf-8"?>
-<p:sld xmlns:p="http://schemas.openxmlformats.org/presentationml/2006/main" xmlns:a="http://schemas.openxmlformats.org/drawingml/2006/main" xmlns:r="http://schemas.openxmlformats.org/officeDocument/2006/relationships">
+<p:sld xmlns:a="http://schemas.openxmlformats.org/drawingml/2006/main" xmlns:r="http://schemas.openxmlformats.org/officeDocument/2006/relationships" xmlns:p="http://schemas.openxmlformats.org/presentationml/2006/main">
   <p:cSld>
     <p:spTree>
       <p:nvGrpSpPr>
@@ -6556,12 +6502,12 @@
       </p:grpSpPr>
       <p:sp>
         <p:nvSpPr>
-          <p:cNvPr name="Freeform 2" id="2"/>
+          <p:cNvPr id="2" name="Freeform 2"/>
           <p:cNvSpPr/>
           <p:nvPr/>
         </p:nvSpPr>
         <p:spPr>
-          <a:xfrm flipH="false" flipV="false" rot="0">
+          <a:xfrm>
             <a:off x="0" y="0"/>
             <a:ext cx="18288000" cy="10287000"/>
           </a:xfrm>
@@ -6570,9 +6516,9 @@
             <a:gdLst/>
             <a:ahLst/>
             <a:cxnLst/>
-            <a:rect r="r" b="b" t="t" l="l"/>
+            <a:rect l="l" t="t" r="r" b="b"/>
             <a:pathLst>
-              <a:path h="10287000" w="18288000">
+              <a:path w="18288000" h="10287000">
                 <a:moveTo>
                   <a:pt x="0" y="0"/>
                 </a:moveTo>
@@ -6595,19 +6541,19 @@
           <a:blipFill>
             <a:blip r:embed="rId2"/>
             <a:stretch>
-              <a:fillRect l="0" t="-24354" r="-1468" b="-56033"/>
+              <a:fillRect t="-24354" r="-1468" b="-56033"/>
             </a:stretch>
           </a:blipFill>
         </p:spPr>
       </p:sp>
       <p:grpSp>
         <p:nvGrpSpPr>
-          <p:cNvPr name="Group 3" id="3"/>
+          <p:cNvPr id="3" name="Group 3"/>
           <p:cNvGrpSpPr/>
           <p:nvPr/>
         </p:nvGrpSpPr>
         <p:grpSpPr>
-          <a:xfrm rot="0">
+          <a:xfrm>
             <a:off x="905495" y="333044"/>
             <a:ext cx="16444941" cy="934419"/>
             <a:chOff x="0" y="0"/>
@@ -6616,12 +6562,12 @@
         </p:grpSpPr>
         <p:sp>
           <p:nvSpPr>
-            <p:cNvPr name="Freeform 4" id="4"/>
+            <p:cNvPr id="4" name="Freeform 4"/>
             <p:cNvSpPr/>
             <p:nvPr/>
           </p:nvSpPr>
           <p:spPr>
-            <a:xfrm flipH="false" flipV="false" rot="0">
+            <a:xfrm>
               <a:off x="0" y="0"/>
               <a:ext cx="5999159" cy="340879"/>
             </a:xfrm>
@@ -6630,9 +6576,9 @@
               <a:gdLst/>
               <a:ahLst/>
               <a:cxnLst/>
-              <a:rect r="r" b="b" t="t" l="l"/>
+              <a:rect l="l" t="t" r="r" b="b"/>
               <a:pathLst>
-                <a:path h="340879" w="5999159">
+                <a:path w="5999159" h="340879">
                   <a:moveTo>
                     <a:pt x="0" y="0"/>
                   </a:moveTo>
@@ -6657,12 +6603,12 @@
       </p:grpSp>
       <p:sp>
         <p:nvSpPr>
-          <p:cNvPr name="TextBox 5" id="5"/>
-          <p:cNvSpPr txBox="true"/>
+          <p:cNvPr id="5" name="TextBox 5"/>
+          <p:cNvSpPr txBox="1"/>
           <p:nvPr/>
         </p:nvSpPr>
         <p:spPr>
-          <a:xfrm rot="0">
+          <a:xfrm>
             <a:off x="1768754" y="395324"/>
             <a:ext cx="14750492" cy="714375"/>
           </a:xfrm>
@@ -6671,7 +6617,7 @@
           </a:prstGeom>
         </p:spPr>
         <p:txBody>
-          <a:bodyPr anchor="t" rtlCol="false" tIns="0" lIns="0" bIns="0" rIns="0">
+          <a:bodyPr lIns="0" tIns="0" rIns="0" bIns="0" rtlCol="0" anchor="t">
             <a:spAutoFit/>
           </a:bodyPr>
           <a:lstStyle/>
@@ -6695,12 +6641,12 @@
       </p:sp>
       <p:sp>
         <p:nvSpPr>
-          <p:cNvPr name="Freeform 6" id="6"/>
+          <p:cNvPr id="6" name="Freeform 6"/>
           <p:cNvSpPr/>
           <p:nvPr/>
         </p:nvSpPr>
         <p:spPr>
-          <a:xfrm flipH="false" flipV="false" rot="-278358">
+          <a:xfrm rot="-278358">
             <a:off x="13186236" y="8760183"/>
             <a:ext cx="5868613" cy="1845945"/>
           </a:xfrm>
@@ -6709,9 +6655,9 @@
             <a:gdLst/>
             <a:ahLst/>
             <a:cxnLst/>
-            <a:rect r="r" b="b" t="t" l="l"/>
+            <a:rect l="l" t="t" r="r" b="b"/>
             <a:pathLst>
-              <a:path h="1845945" w="5868613">
+              <a:path w="5868613" h="1845945">
                 <a:moveTo>
                   <a:pt x="0" y="0"/>
                 </a:moveTo>
@@ -6740,19 +6686,19 @@
               </a:extLst>
             </a:blip>
             <a:stretch>
-              <a:fillRect l="0" t="0" r="0" b="0"/>
+              <a:fillRect/>
             </a:stretch>
           </a:blipFill>
         </p:spPr>
       </p:sp>
       <p:sp>
         <p:nvSpPr>
-          <p:cNvPr name="Freeform 7" id="7"/>
+          <p:cNvPr id="7" name="Freeform 7"/>
           <p:cNvSpPr/>
           <p:nvPr/>
         </p:nvSpPr>
         <p:spPr>
-          <a:xfrm flipH="false" flipV="false" rot="0">
+          <a:xfrm>
             <a:off x="17609762" y="7735400"/>
             <a:ext cx="441616" cy="633141"/>
           </a:xfrm>
@@ -6761,9 +6707,9 @@
             <a:gdLst/>
             <a:ahLst/>
             <a:cxnLst/>
-            <a:rect r="r" b="b" t="t" l="l"/>
+            <a:rect l="l" t="t" r="r" b="b"/>
             <a:pathLst>
-              <a:path h="633141" w="441616">
+              <a:path w="441616" h="633141">
                 <a:moveTo>
                   <a:pt x="0" y="0"/>
                 </a:moveTo>
@@ -6792,19 +6738,19 @@
               </a:extLst>
             </a:blip>
             <a:stretch>
-              <a:fillRect l="0" t="0" r="0" b="0"/>
+              <a:fillRect/>
             </a:stretch>
           </a:blipFill>
         </p:spPr>
       </p:sp>
       <p:sp>
         <p:nvSpPr>
-          <p:cNvPr name="Freeform 8" id="8"/>
+          <p:cNvPr id="8" name="Freeform 8"/>
           <p:cNvSpPr/>
           <p:nvPr/>
         </p:nvSpPr>
         <p:spPr>
-          <a:xfrm flipH="false" flipV="false" rot="0">
+          <a:xfrm>
             <a:off x="243671" y="950893"/>
             <a:ext cx="441616" cy="633141"/>
           </a:xfrm>
@@ -6813,9 +6759,9 @@
             <a:gdLst/>
             <a:ahLst/>
             <a:cxnLst/>
-            <a:rect r="r" b="b" t="t" l="l"/>
+            <a:rect l="l" t="t" r="r" b="b"/>
             <a:pathLst>
-              <a:path h="633141" w="441616">
+              <a:path w="441616" h="633141">
                 <a:moveTo>
                   <a:pt x="0" y="0"/>
                 </a:moveTo>
@@ -6844,19 +6790,19 @@
               </a:extLst>
             </a:blip>
             <a:stretch>
-              <a:fillRect l="0" t="0" r="0" b="0"/>
+              <a:fillRect/>
             </a:stretch>
           </a:blipFill>
         </p:spPr>
       </p:sp>
       <p:grpSp>
         <p:nvGrpSpPr>
-          <p:cNvPr name="Group 9" id="9"/>
+          <p:cNvPr id="9" name="Group 9"/>
           <p:cNvGrpSpPr/>
           <p:nvPr/>
         </p:nvGrpSpPr>
         <p:grpSpPr>
-          <a:xfrm rot="0">
+          <a:xfrm>
             <a:off x="10667036" y="3582218"/>
             <a:ext cx="3545459" cy="2628900"/>
             <a:chOff x="0" y="0"/>
@@ -6865,12 +6811,12 @@
         </p:grpSpPr>
         <p:sp>
           <p:nvSpPr>
-            <p:cNvPr name="Freeform 10" id="10"/>
+            <p:cNvPr id="10" name="Freeform 10"/>
             <p:cNvSpPr/>
             <p:nvPr/>
           </p:nvSpPr>
           <p:spPr>
-            <a:xfrm flipH="false" flipV="false" rot="0">
+            <a:xfrm>
               <a:off x="0" y="0"/>
               <a:ext cx="817927" cy="606480"/>
             </a:xfrm>
@@ -6879,9 +6825,9 @@
               <a:gdLst/>
               <a:ahLst/>
               <a:cxnLst/>
-              <a:rect r="r" b="b" t="t" l="l"/>
+              <a:rect l="l" t="t" r="r" b="b"/>
               <a:pathLst>
-                <a:path h="606480" w="817927">
+                <a:path w="817927" h="606480">
                   <a:moveTo>
                     <a:pt x="0" y="0"/>
                   </a:moveTo>
@@ -6905,8 +6851,8 @@
         </p:sp>
         <p:sp>
           <p:nvSpPr>
-            <p:cNvPr name="TextBox 11" id="11"/>
-            <p:cNvSpPr txBox="true"/>
+            <p:cNvPr id="11" name="TextBox 11"/>
+            <p:cNvSpPr txBox="1"/>
             <p:nvPr/>
           </p:nvSpPr>
           <p:spPr>
@@ -6919,7 +6865,7 @@
             </a:prstGeom>
           </p:spPr>
           <p:txBody>
-            <a:bodyPr anchor="ctr" rtlCol="false" tIns="254000" lIns="254000" bIns="254000" rIns="254000"/>
+            <a:bodyPr lIns="254000" tIns="254000" rIns="254000" bIns="254000" rtlCol="0" anchor="ctr"/>
             <a:lstStyle/>
             <a:p>
               <a:pPr algn="ctr">
@@ -6942,12 +6888,12 @@
       </p:grpSp>
       <p:grpSp>
         <p:nvGrpSpPr>
-          <p:cNvPr name="Group 12" id="12"/>
+          <p:cNvPr id="12" name="Group 12"/>
           <p:cNvGrpSpPr/>
           <p:nvPr/>
         </p:nvGrpSpPr>
         <p:grpSpPr>
-          <a:xfrm rot="0">
+          <a:xfrm>
             <a:off x="10440474" y="8766791"/>
             <a:ext cx="2223948" cy="1215522"/>
             <a:chOff x="0" y="0"/>
@@ -6956,12 +6902,12 @@
         </p:grpSpPr>
         <p:sp>
           <p:nvSpPr>
-            <p:cNvPr name="Freeform 13" id="13"/>
+            <p:cNvPr id="13" name="Freeform 13"/>
             <p:cNvSpPr/>
             <p:nvPr/>
           </p:nvSpPr>
           <p:spPr>
-            <a:xfrm flipH="false" flipV="false" rot="0">
+            <a:xfrm>
               <a:off x="0" y="0"/>
               <a:ext cx="1086195" cy="593671"/>
             </a:xfrm>
@@ -6970,9 +6916,9 @@
               <a:gdLst/>
               <a:ahLst/>
               <a:cxnLst/>
-              <a:rect r="r" b="b" t="t" l="l"/>
+              <a:rect l="l" t="t" r="r" b="b"/>
               <a:pathLst>
-                <a:path h="593671" w="1086195">
+                <a:path w="1086195" h="593671">
                   <a:moveTo>
                     <a:pt x="0" y="0"/>
                   </a:moveTo>
@@ -6996,8 +6942,8 @@
         </p:sp>
         <p:sp>
           <p:nvSpPr>
-            <p:cNvPr name="TextBox 14" id="14"/>
-            <p:cNvSpPr txBox="true"/>
+            <p:cNvPr id="14" name="TextBox 14"/>
+            <p:cNvSpPr txBox="1"/>
             <p:nvPr/>
           </p:nvSpPr>
           <p:spPr>
@@ -7010,7 +6956,7 @@
             </a:prstGeom>
           </p:spPr>
           <p:txBody>
-            <a:bodyPr anchor="ctr" rtlCol="false" tIns="254000" lIns="254000" bIns="254000" rIns="254000"/>
+            <a:bodyPr lIns="254000" tIns="254000" rIns="254000" bIns="254000" rtlCol="0" anchor="ctr"/>
             <a:lstStyle/>
             <a:p>
               <a:pPr algn="ctr">
@@ -7033,12 +6979,12 @@
       </p:grpSp>
       <p:grpSp>
         <p:nvGrpSpPr>
-          <p:cNvPr name="Group 15" id="15"/>
+          <p:cNvPr id="15" name="Group 15"/>
           <p:cNvGrpSpPr/>
           <p:nvPr/>
         </p:nvGrpSpPr>
         <p:grpSpPr>
-          <a:xfrm rot="0">
+          <a:xfrm>
             <a:off x="1028700" y="1619889"/>
             <a:ext cx="2223948" cy="1215522"/>
             <a:chOff x="0" y="0"/>
@@ -7047,12 +6993,12 @@
         </p:grpSpPr>
         <p:sp>
           <p:nvSpPr>
-            <p:cNvPr name="Freeform 16" id="16"/>
+            <p:cNvPr id="16" name="Freeform 16"/>
             <p:cNvSpPr/>
             <p:nvPr/>
           </p:nvSpPr>
           <p:spPr>
-            <a:xfrm flipH="false" flipV="false" rot="0">
+            <a:xfrm>
               <a:off x="0" y="0"/>
               <a:ext cx="1086195" cy="593671"/>
             </a:xfrm>
@@ -7061,9 +7007,9 @@
               <a:gdLst/>
               <a:ahLst/>
               <a:cxnLst/>
-              <a:rect r="r" b="b" t="t" l="l"/>
+              <a:rect l="l" t="t" r="r" b="b"/>
               <a:pathLst>
-                <a:path h="593671" w="1086195">
+                <a:path w="1086195" h="593671">
                   <a:moveTo>
                     <a:pt x="0" y="0"/>
                   </a:moveTo>
@@ -7087,8 +7033,8 @@
         </p:sp>
         <p:sp>
           <p:nvSpPr>
-            <p:cNvPr name="TextBox 17" id="17"/>
-            <p:cNvSpPr txBox="true"/>
+            <p:cNvPr id="17" name="TextBox 17"/>
+            <p:cNvSpPr txBox="1"/>
             <p:nvPr/>
           </p:nvSpPr>
           <p:spPr>
@@ -7101,7 +7047,7 @@
             </a:prstGeom>
           </p:spPr>
           <p:txBody>
-            <a:bodyPr anchor="ctr" rtlCol="false" tIns="254000" lIns="254000" bIns="254000" rIns="254000"/>
+            <a:bodyPr lIns="254000" tIns="254000" rIns="254000" bIns="254000" rtlCol="0" anchor="ctr"/>
             <a:lstStyle/>
             <a:p>
               <a:pPr algn="ctr">
@@ -7124,12 +7070,12 @@
       </p:grpSp>
       <p:grpSp>
         <p:nvGrpSpPr>
-          <p:cNvPr name="Group 18" id="18"/>
+          <p:cNvPr id="18" name="Group 18"/>
           <p:cNvGrpSpPr/>
           <p:nvPr/>
         </p:nvGrpSpPr>
         <p:grpSpPr>
-          <a:xfrm rot="0">
+          <a:xfrm>
             <a:off x="3252648" y="4273862"/>
             <a:ext cx="2243683" cy="947872"/>
             <a:chOff x="0" y="0"/>
@@ -7138,12 +7084,12 @@
         </p:grpSpPr>
         <p:sp>
           <p:nvSpPr>
-            <p:cNvPr name="Freeform 19" id="19"/>
+            <p:cNvPr id="19" name="Freeform 19"/>
             <p:cNvSpPr/>
             <p:nvPr/>
           </p:nvSpPr>
           <p:spPr>
-            <a:xfrm flipH="false" flipV="false" rot="0">
+            <a:xfrm>
               <a:off x="0" y="0"/>
               <a:ext cx="1095833" cy="462949"/>
             </a:xfrm>
@@ -7152,9 +7098,9 @@
               <a:gdLst/>
               <a:ahLst/>
               <a:cxnLst/>
-              <a:rect r="r" b="b" t="t" l="l"/>
+              <a:rect l="l" t="t" r="r" b="b"/>
               <a:pathLst>
-                <a:path h="462949" w="1095833">
+                <a:path w="1095833" h="462949">
                   <a:moveTo>
                     <a:pt x="0" y="0"/>
                   </a:moveTo>
@@ -7178,8 +7124,8 @@
         </p:sp>
         <p:sp>
           <p:nvSpPr>
-            <p:cNvPr name="TextBox 20" id="20"/>
-            <p:cNvSpPr txBox="true"/>
+            <p:cNvPr id="20" name="TextBox 20"/>
+            <p:cNvSpPr txBox="1"/>
             <p:nvPr/>
           </p:nvSpPr>
           <p:spPr>
@@ -7192,7 +7138,7 @@
             </a:prstGeom>
           </p:spPr>
           <p:txBody>
-            <a:bodyPr anchor="ctr" rtlCol="false" tIns="254000" lIns="254000" bIns="254000" rIns="254000"/>
+            <a:bodyPr lIns="254000" tIns="254000" rIns="254000" bIns="254000" rtlCol="0" anchor="ctr"/>
             <a:lstStyle/>
             <a:p>
               <a:pPr algn="ctr">
@@ -7215,7 +7161,7 @@
       </p:grpSp>
       <p:sp>
         <p:nvSpPr>
-          <p:cNvPr name="AutoShape 21" id="21"/>
+          <p:cNvPr id="21" name="AutoShape 21"/>
           <p:cNvSpPr/>
           <p:nvPr/>
         </p:nvSpPr>
@@ -7227,24 +7173,24 @@
           <a:prstGeom prst="line">
             <a:avLst/>
           </a:prstGeom>
-          <a:ln cap="rnd" w="28575">
+          <a:ln w="28575" cap="rnd">
             <a:solidFill>
               <a:srgbClr val="003EA8"/>
             </a:solidFill>
             <a:prstDash val="solid"/>
-            <a:headEnd type="none" len="sm" w="sm"/>
-            <a:tailEnd type="triangle" len="med" w="lg"/>
+            <a:headEnd type="none" w="sm" len="sm"/>
+            <a:tailEnd type="triangle" w="lg" len="med"/>
           </a:ln>
         </p:spPr>
       </p:sp>
       <p:grpSp>
         <p:nvGrpSpPr>
-          <p:cNvPr name="Group 22" id="22"/>
+          <p:cNvPr id="22" name="Group 22"/>
           <p:cNvGrpSpPr/>
           <p:nvPr/>
         </p:nvGrpSpPr>
         <p:grpSpPr>
-          <a:xfrm rot="0">
+          <a:xfrm>
             <a:off x="2140674" y="3102138"/>
             <a:ext cx="2243683" cy="947872"/>
             <a:chOff x="0" y="0"/>
@@ -7253,12 +7199,12 @@
         </p:grpSpPr>
         <p:sp>
           <p:nvSpPr>
-            <p:cNvPr name="Freeform 23" id="23"/>
+            <p:cNvPr id="23" name="Freeform 23"/>
             <p:cNvSpPr/>
             <p:nvPr/>
           </p:nvSpPr>
           <p:spPr>
-            <a:xfrm flipH="false" flipV="false" rot="0">
+            <a:xfrm>
               <a:off x="0" y="0"/>
               <a:ext cx="1095833" cy="462949"/>
             </a:xfrm>
@@ -7267,9 +7213,9 @@
               <a:gdLst/>
               <a:ahLst/>
               <a:cxnLst/>
-              <a:rect r="r" b="b" t="t" l="l"/>
+              <a:rect l="l" t="t" r="r" b="b"/>
               <a:pathLst>
-                <a:path h="462949" w="1095833">
+                <a:path w="1095833" h="462949">
                   <a:moveTo>
                     <a:pt x="0" y="0"/>
                   </a:moveTo>
@@ -7293,8 +7239,8 @@
         </p:sp>
         <p:sp>
           <p:nvSpPr>
-            <p:cNvPr name="TextBox 24" id="24"/>
-            <p:cNvSpPr txBox="true"/>
+            <p:cNvPr id="24" name="TextBox 24"/>
+            <p:cNvSpPr txBox="1"/>
             <p:nvPr/>
           </p:nvSpPr>
           <p:spPr>
@@ -7307,7 +7253,7 @@
             </a:prstGeom>
           </p:spPr>
           <p:txBody>
-            <a:bodyPr anchor="ctr" rtlCol="false" tIns="254000" lIns="254000" bIns="254000" rIns="254000"/>
+            <a:bodyPr lIns="254000" tIns="254000" rIns="254000" bIns="254000" rtlCol="0" anchor="ctr"/>
             <a:lstStyle/>
             <a:p>
               <a:pPr algn="ctr">
@@ -7330,12 +7276,12 @@
       </p:grpSp>
       <p:grpSp>
         <p:nvGrpSpPr>
-          <p:cNvPr name="Group 25" id="25"/>
+          <p:cNvPr id="25" name="Group 25"/>
           <p:cNvGrpSpPr/>
           <p:nvPr/>
         </p:nvGrpSpPr>
         <p:grpSpPr>
-          <a:xfrm rot="0">
+          <a:xfrm>
             <a:off x="4374490" y="5450335"/>
             <a:ext cx="2243683" cy="947872"/>
             <a:chOff x="0" y="0"/>
@@ -7344,12 +7290,12 @@
         </p:grpSpPr>
         <p:sp>
           <p:nvSpPr>
-            <p:cNvPr name="Freeform 26" id="26"/>
+            <p:cNvPr id="26" name="Freeform 26"/>
             <p:cNvSpPr/>
             <p:nvPr/>
           </p:nvSpPr>
           <p:spPr>
-            <a:xfrm flipH="false" flipV="false" rot="0">
+            <a:xfrm>
               <a:off x="0" y="0"/>
               <a:ext cx="1095833" cy="462949"/>
             </a:xfrm>
@@ -7358,9 +7304,9 @@
               <a:gdLst/>
               <a:ahLst/>
               <a:cxnLst/>
-              <a:rect r="r" b="b" t="t" l="l"/>
+              <a:rect l="l" t="t" r="r" b="b"/>
               <a:pathLst>
-                <a:path h="462949" w="1095833">
+                <a:path w="1095833" h="462949">
                   <a:moveTo>
                     <a:pt x="0" y="0"/>
                   </a:moveTo>
@@ -7384,8 +7330,8 @@
         </p:sp>
         <p:sp>
           <p:nvSpPr>
-            <p:cNvPr name="TextBox 27" id="27"/>
-            <p:cNvSpPr txBox="true"/>
+            <p:cNvPr id="27" name="TextBox 27"/>
+            <p:cNvSpPr txBox="1"/>
             <p:nvPr/>
           </p:nvSpPr>
           <p:spPr>
@@ -7398,7 +7344,7 @@
             </a:prstGeom>
           </p:spPr>
           <p:txBody>
-            <a:bodyPr anchor="ctr" rtlCol="false" tIns="254000" lIns="254000" bIns="254000" rIns="254000"/>
+            <a:bodyPr lIns="254000" tIns="254000" rIns="254000" bIns="254000" rtlCol="0" anchor="ctr"/>
             <a:lstStyle/>
             <a:p>
               <a:pPr algn="ctr">
@@ -7421,12 +7367,12 @@
       </p:grpSp>
       <p:grpSp>
         <p:nvGrpSpPr>
-          <p:cNvPr name="Group 28" id="28"/>
+          <p:cNvPr id="28" name="Group 28"/>
           <p:cNvGrpSpPr/>
           <p:nvPr/>
         </p:nvGrpSpPr>
         <p:grpSpPr>
-          <a:xfrm rot="0">
+          <a:xfrm>
             <a:off x="5496332" y="6626807"/>
             <a:ext cx="2243683" cy="947872"/>
             <a:chOff x="0" y="0"/>
@@ -7435,12 +7381,12 @@
         </p:grpSpPr>
         <p:sp>
           <p:nvSpPr>
-            <p:cNvPr name="Freeform 29" id="29"/>
+            <p:cNvPr id="29" name="Freeform 29"/>
             <p:cNvSpPr/>
             <p:nvPr/>
           </p:nvSpPr>
           <p:spPr>
-            <a:xfrm flipH="false" flipV="false" rot="0">
+            <a:xfrm>
               <a:off x="0" y="0"/>
               <a:ext cx="1095833" cy="462949"/>
             </a:xfrm>
@@ -7449,9 +7395,9 @@
               <a:gdLst/>
               <a:ahLst/>
               <a:cxnLst/>
-              <a:rect r="r" b="b" t="t" l="l"/>
+              <a:rect l="l" t="t" r="r" b="b"/>
               <a:pathLst>
-                <a:path h="462949" w="1095833">
+                <a:path w="1095833" h="462949">
                   <a:moveTo>
                     <a:pt x="0" y="0"/>
                   </a:moveTo>
@@ -7475,8 +7421,8 @@
         </p:sp>
         <p:sp>
           <p:nvSpPr>
-            <p:cNvPr name="TextBox 30" id="30"/>
-            <p:cNvSpPr txBox="true"/>
+            <p:cNvPr id="30" name="TextBox 30"/>
+            <p:cNvSpPr txBox="1"/>
             <p:nvPr/>
           </p:nvSpPr>
           <p:spPr>
@@ -7489,7 +7435,7 @@
             </a:prstGeom>
           </p:spPr>
           <p:txBody>
-            <a:bodyPr anchor="ctr" rtlCol="false" tIns="254000" lIns="254000" bIns="254000" rIns="254000"/>
+            <a:bodyPr lIns="254000" tIns="254000" rIns="254000" bIns="254000" rtlCol="0" anchor="ctr"/>
             <a:lstStyle/>
             <a:p>
               <a:pPr algn="ctr">
@@ -7512,12 +7458,12 @@
       </p:grpSp>
       <p:grpSp>
         <p:nvGrpSpPr>
-          <p:cNvPr name="Group 31" id="31"/>
+          <p:cNvPr id="31" name="Group 31"/>
           <p:cNvGrpSpPr/>
           <p:nvPr/>
         </p:nvGrpSpPr>
         <p:grpSpPr>
-          <a:xfrm rot="0">
+          <a:xfrm>
             <a:off x="6618174" y="7735400"/>
             <a:ext cx="2243683" cy="947872"/>
             <a:chOff x="0" y="0"/>
@@ -7526,12 +7472,12 @@
         </p:grpSpPr>
         <p:sp>
           <p:nvSpPr>
-            <p:cNvPr name="Freeform 32" id="32"/>
+            <p:cNvPr id="32" name="Freeform 32"/>
             <p:cNvSpPr/>
             <p:nvPr/>
           </p:nvSpPr>
           <p:spPr>
-            <a:xfrm flipH="false" flipV="false" rot="0">
+            <a:xfrm>
               <a:off x="0" y="0"/>
               <a:ext cx="1095833" cy="462949"/>
             </a:xfrm>
@@ -7540,9 +7486,9 @@
               <a:gdLst/>
               <a:ahLst/>
               <a:cxnLst/>
-              <a:rect r="r" b="b" t="t" l="l"/>
+              <a:rect l="l" t="t" r="r" b="b"/>
               <a:pathLst>
-                <a:path h="462949" w="1095833">
+                <a:path w="1095833" h="462949">
                   <a:moveTo>
                     <a:pt x="0" y="0"/>
                   </a:moveTo>
@@ -7566,8 +7512,8 @@
         </p:sp>
         <p:sp>
           <p:nvSpPr>
-            <p:cNvPr name="TextBox 33" id="33"/>
-            <p:cNvSpPr txBox="true"/>
+            <p:cNvPr id="33" name="TextBox 33"/>
+            <p:cNvSpPr txBox="1"/>
             <p:nvPr/>
           </p:nvSpPr>
           <p:spPr>
@@ -7580,7 +7526,7 @@
             </a:prstGeom>
           </p:spPr>
           <p:txBody>
-            <a:bodyPr anchor="ctr" rtlCol="false" tIns="254000" lIns="254000" bIns="254000" rIns="254000"/>
+            <a:bodyPr lIns="254000" tIns="254000" rIns="254000" bIns="254000" rtlCol="0" anchor="ctr"/>
             <a:lstStyle/>
             <a:p>
               <a:pPr algn="ctr">
@@ -7603,12 +7549,12 @@
       </p:grpSp>
       <p:grpSp>
         <p:nvGrpSpPr>
-          <p:cNvPr name="Group 34" id="34"/>
+          <p:cNvPr id="34" name="Group 34"/>
           <p:cNvGrpSpPr/>
           <p:nvPr/>
         </p:nvGrpSpPr>
         <p:grpSpPr>
-          <a:xfrm rot="0">
+          <a:xfrm>
             <a:off x="7740015" y="8900616"/>
             <a:ext cx="2243683" cy="948690"/>
             <a:chOff x="0" y="0"/>
@@ -7617,12 +7563,12 @@
         </p:grpSpPr>
         <p:sp>
           <p:nvSpPr>
-            <p:cNvPr name="Freeform 35" id="35"/>
+            <p:cNvPr id="35" name="Freeform 35"/>
             <p:cNvSpPr/>
             <p:nvPr/>
           </p:nvSpPr>
           <p:spPr>
-            <a:xfrm flipH="false" flipV="false" rot="0">
+            <a:xfrm>
               <a:off x="0" y="0"/>
               <a:ext cx="1095833" cy="463348"/>
             </a:xfrm>
@@ -7631,9 +7577,9 @@
               <a:gdLst/>
               <a:ahLst/>
               <a:cxnLst/>
-              <a:rect r="r" b="b" t="t" l="l"/>
+              <a:rect l="l" t="t" r="r" b="b"/>
               <a:pathLst>
-                <a:path h="463348" w="1095833">
+                <a:path w="1095833" h="463348">
                   <a:moveTo>
                     <a:pt x="0" y="0"/>
                   </a:moveTo>
@@ -7657,8 +7603,8 @@
         </p:sp>
         <p:sp>
           <p:nvSpPr>
-            <p:cNvPr name="TextBox 36" id="36"/>
-            <p:cNvSpPr txBox="true"/>
+            <p:cNvPr id="36" name="TextBox 36"/>
+            <p:cNvSpPr txBox="1"/>
             <p:nvPr/>
           </p:nvSpPr>
           <p:spPr>
@@ -7671,7 +7617,7 @@
             </a:prstGeom>
           </p:spPr>
           <p:txBody>
-            <a:bodyPr anchor="ctr" rtlCol="false" tIns="254000" lIns="254000" bIns="254000" rIns="254000"/>
+            <a:bodyPr lIns="254000" tIns="254000" rIns="254000" bIns="254000" rtlCol="0" anchor="ctr"/>
             <a:lstStyle/>
             <a:p>
               <a:pPr algn="ctr">
@@ -7694,7 +7640,7 @@
       </p:grpSp>
       <p:sp>
         <p:nvSpPr>
-          <p:cNvPr name="AutoShape 37" id="37"/>
+          <p:cNvPr id="37" name="AutoShape 37"/>
           <p:cNvSpPr/>
           <p:nvPr/>
         </p:nvSpPr>
@@ -7706,19 +7652,19 @@
           <a:prstGeom prst="line">
             <a:avLst/>
           </a:prstGeom>
-          <a:ln cap="rnd" w="28575">
+          <a:ln w="28575" cap="rnd">
             <a:solidFill>
               <a:srgbClr val="003EA8"/>
             </a:solidFill>
             <a:prstDash val="solid"/>
-            <a:headEnd type="none" len="sm" w="sm"/>
-            <a:tailEnd type="triangle" len="med" w="lg"/>
+            <a:headEnd type="none" w="sm" len="sm"/>
+            <a:tailEnd type="triangle" w="lg" len="med"/>
           </a:ln>
         </p:spPr>
       </p:sp>
       <p:sp>
         <p:nvSpPr>
-          <p:cNvPr name="AutoShape 38" id="38"/>
+          <p:cNvPr id="38" name="AutoShape 38"/>
           <p:cNvSpPr/>
           <p:nvPr/>
         </p:nvSpPr>
@@ -7730,19 +7676,19 @@
           <a:prstGeom prst="line">
             <a:avLst/>
           </a:prstGeom>
-          <a:ln cap="rnd" w="28575">
+          <a:ln w="28575" cap="rnd">
             <a:solidFill>
               <a:srgbClr val="003EA8"/>
             </a:solidFill>
             <a:prstDash val="solid"/>
-            <a:headEnd type="none" len="sm" w="sm"/>
-            <a:tailEnd type="triangle" len="med" w="lg"/>
+            <a:headEnd type="none" w="sm" len="sm"/>
+            <a:tailEnd type="triangle" w="lg" len="med"/>
           </a:ln>
         </p:spPr>
       </p:sp>
       <p:sp>
         <p:nvSpPr>
-          <p:cNvPr name="AutoShape 39" id="39"/>
+          <p:cNvPr id="39" name="AutoShape 39"/>
           <p:cNvSpPr/>
           <p:nvPr/>
         </p:nvSpPr>
@@ -7754,19 +7700,19 @@
           <a:prstGeom prst="line">
             <a:avLst/>
           </a:prstGeom>
-          <a:ln cap="rnd" w="28575">
+          <a:ln w="28575" cap="rnd">
             <a:solidFill>
               <a:srgbClr val="003EA8"/>
             </a:solidFill>
             <a:prstDash val="solid"/>
-            <a:headEnd type="none" len="sm" w="sm"/>
-            <a:tailEnd type="triangle" len="med" w="lg"/>
+            <a:headEnd type="none" w="sm" len="sm"/>
+            <a:tailEnd type="triangle" w="lg" len="med"/>
           </a:ln>
         </p:spPr>
       </p:sp>
       <p:sp>
         <p:nvSpPr>
-          <p:cNvPr name="AutoShape 40" id="40"/>
+          <p:cNvPr id="40" name="AutoShape 40"/>
           <p:cNvSpPr/>
           <p:nvPr/>
         </p:nvSpPr>
@@ -7778,19 +7724,19 @@
           <a:prstGeom prst="line">
             <a:avLst/>
           </a:prstGeom>
-          <a:ln cap="rnd" w="28575">
+          <a:ln w="28575" cap="rnd">
             <a:solidFill>
               <a:srgbClr val="003EA8"/>
             </a:solidFill>
             <a:prstDash val="solid"/>
-            <a:headEnd type="none" len="sm" w="sm"/>
-            <a:tailEnd type="triangle" len="med" w="lg"/>
+            <a:headEnd type="none" w="sm" len="sm"/>
+            <a:tailEnd type="triangle" w="lg" len="med"/>
           </a:ln>
         </p:spPr>
       </p:sp>
       <p:sp>
         <p:nvSpPr>
-          <p:cNvPr name="AutoShape 41" id="41"/>
+          <p:cNvPr id="41" name="AutoShape 41"/>
           <p:cNvSpPr/>
           <p:nvPr/>
         </p:nvSpPr>
@@ -7802,37 +7748,37 @@
           <a:prstGeom prst="line">
             <a:avLst/>
           </a:prstGeom>
-          <a:ln cap="rnd" w="28575">
+          <a:ln w="28575" cap="rnd">
             <a:solidFill>
               <a:srgbClr val="003EA8"/>
             </a:solidFill>
             <a:prstDash val="solid"/>
-            <a:headEnd type="none" len="sm" w="sm"/>
-            <a:tailEnd type="triangle" len="med" w="lg"/>
+            <a:headEnd type="none" w="sm" len="sm"/>
+            <a:tailEnd type="triangle" w="lg" len="med"/>
           </a:ln>
         </p:spPr>
       </p:sp>
       <p:sp>
         <p:nvSpPr>
-          <p:cNvPr name="AutoShape 42" id="42"/>
+          <p:cNvPr id="42" name="AutoShape 42"/>
           <p:cNvSpPr/>
           <p:nvPr/>
         </p:nvSpPr>
         <p:spPr>
-          <a:xfrm flipV="true">
+          <a:xfrm flipV="1">
             <a:off x="9983699" y="9374552"/>
             <a:ext cx="456775" cy="409"/>
           </a:xfrm>
           <a:prstGeom prst="line">
             <a:avLst/>
           </a:prstGeom>
-          <a:ln cap="rnd" w="28575">
+          <a:ln w="28575" cap="rnd">
             <a:solidFill>
               <a:srgbClr val="003EA8"/>
             </a:solidFill>
             <a:prstDash val="solid"/>
-            <a:headEnd type="none" len="sm" w="sm"/>
-            <a:tailEnd type="triangle" len="med" w="lg"/>
+            <a:headEnd type="none" w="sm" len="sm"/>
+            <a:tailEnd type="triangle" w="lg" len="med"/>
           </a:ln>
         </p:spPr>
       </p:sp>
@@ -7845,7 +7791,7 @@
 </file>
 
 <file path=ppt/slides/slide7.xml><?xml version="1.0" encoding="utf-8"?>
-<p:sld xmlns:p="http://schemas.openxmlformats.org/presentationml/2006/main" xmlns:a="http://schemas.openxmlformats.org/drawingml/2006/main" xmlns:r="http://schemas.openxmlformats.org/officeDocument/2006/relationships">
+<p:sld xmlns:a="http://schemas.openxmlformats.org/drawingml/2006/main" xmlns:r="http://schemas.openxmlformats.org/officeDocument/2006/relationships" xmlns:p="http://schemas.openxmlformats.org/presentationml/2006/main">
   <p:cSld>
     <p:spTree>
       <p:nvGrpSpPr>
@@ -7863,12 +7809,12 @@
       </p:grpSpPr>
       <p:sp>
         <p:nvSpPr>
-          <p:cNvPr name="Freeform 2" id="2"/>
+          <p:cNvPr id="2" name="Freeform 2"/>
           <p:cNvSpPr/>
           <p:nvPr/>
         </p:nvSpPr>
         <p:spPr>
-          <a:xfrm flipH="false" flipV="false" rot="0">
+          <a:xfrm>
             <a:off x="0" y="0"/>
             <a:ext cx="18288000" cy="10287000"/>
           </a:xfrm>
@@ -7877,9 +7823,9 @@
             <a:gdLst/>
             <a:ahLst/>
             <a:cxnLst/>
-            <a:rect r="r" b="b" t="t" l="l"/>
+            <a:rect l="l" t="t" r="r" b="b"/>
             <a:pathLst>
-              <a:path h="10287000" w="18288000">
+              <a:path w="18288000" h="10287000">
                 <a:moveTo>
                   <a:pt x="0" y="0"/>
                 </a:moveTo>
@@ -7902,19 +7848,19 @@
           <a:blipFill>
             <a:blip r:embed="rId2"/>
             <a:stretch>
-              <a:fillRect l="0" t="-24354" r="-1468" b="-56033"/>
+              <a:fillRect t="-24354" r="-1468" b="-56033"/>
             </a:stretch>
           </a:blipFill>
         </p:spPr>
       </p:sp>
       <p:grpSp>
         <p:nvGrpSpPr>
-          <p:cNvPr name="Group 3" id="3"/>
+          <p:cNvPr id="3" name="Group 3"/>
           <p:cNvGrpSpPr/>
           <p:nvPr/>
         </p:nvGrpSpPr>
         <p:grpSpPr>
-          <a:xfrm rot="0">
+          <a:xfrm>
             <a:off x="6428494" y="5143500"/>
             <a:ext cx="5379213" cy="4385634"/>
             <a:chOff x="0" y="0"/>
@@ -7923,12 +7869,12 @@
         </p:grpSpPr>
         <p:sp>
           <p:nvSpPr>
-            <p:cNvPr name="Freeform 4" id="4"/>
+            <p:cNvPr id="4" name="Freeform 4"/>
             <p:cNvSpPr/>
             <p:nvPr/>
           </p:nvSpPr>
           <p:spPr>
-            <a:xfrm flipH="false" flipV="false" rot="0">
+            <a:xfrm>
               <a:off x="0" y="0"/>
               <a:ext cx="2585364" cy="2107829"/>
             </a:xfrm>
@@ -7937,9 +7883,9 @@
               <a:gdLst/>
               <a:ahLst/>
               <a:cxnLst/>
-              <a:rect r="r" b="b" t="t" l="l"/>
+              <a:rect l="l" t="t" r="r" b="b"/>
               <a:pathLst>
-                <a:path h="2107829" w="2585364">
+                <a:path w="2585364" h="2107829">
                   <a:moveTo>
                     <a:pt x="0" y="0"/>
                   </a:moveTo>
@@ -7964,12 +7910,12 @@
       </p:grpSp>
       <p:grpSp>
         <p:nvGrpSpPr>
-          <p:cNvPr name="Group 5" id="5"/>
+          <p:cNvPr id="5" name="Group 5"/>
           <p:cNvGrpSpPr/>
           <p:nvPr/>
         </p:nvGrpSpPr>
         <p:grpSpPr>
-          <a:xfrm rot="0">
+          <a:xfrm>
             <a:off x="905495" y="973442"/>
             <a:ext cx="16425212" cy="4962942"/>
             <a:chOff x="0" y="0"/>
@@ -7978,12 +7924,12 @@
         </p:grpSpPr>
         <p:sp>
           <p:nvSpPr>
-            <p:cNvPr name="Freeform 6" id="6"/>
+            <p:cNvPr id="6" name="Freeform 6"/>
             <p:cNvSpPr/>
             <p:nvPr/>
           </p:nvSpPr>
           <p:spPr>
-            <a:xfrm flipH="false" flipV="false" rot="0">
+            <a:xfrm>
               <a:off x="0" y="0"/>
               <a:ext cx="5991962" cy="1810495"/>
             </a:xfrm>
@@ -7992,9 +7938,9 @@
               <a:gdLst/>
               <a:ahLst/>
               <a:cxnLst/>
-              <a:rect r="r" b="b" t="t" l="l"/>
+              <a:rect l="l" t="t" r="r" b="b"/>
               <a:pathLst>
-                <a:path h="1810495" w="5991962">
+                <a:path w="5991962" h="1810495">
                   <a:moveTo>
                     <a:pt x="0" y="0"/>
                   </a:moveTo>
@@ -8019,12 +7965,12 @@
       </p:grpSp>
       <p:sp>
         <p:nvSpPr>
-          <p:cNvPr name="Freeform 7" id="7"/>
+          <p:cNvPr id="7" name="Freeform 7"/>
           <p:cNvSpPr/>
           <p:nvPr/>
         </p:nvSpPr>
         <p:spPr>
-          <a:xfrm flipH="false" flipV="false" rot="0">
+          <a:xfrm>
             <a:off x="7422549" y="5444728"/>
             <a:ext cx="3391104" cy="3783179"/>
           </a:xfrm>
@@ -8033,9 +7979,9 @@
             <a:gdLst/>
             <a:ahLst/>
             <a:cxnLst/>
-            <a:rect r="r" b="b" t="t" l="l"/>
+            <a:rect l="l" t="t" r="r" b="b"/>
             <a:pathLst>
-              <a:path h="3783179" w="3391104">
+              <a:path w="3391104" h="3783179">
                 <a:moveTo>
                   <a:pt x="0" y="0"/>
                 </a:moveTo>
@@ -8064,19 +8010,19 @@
               </a:extLst>
             </a:blip>
             <a:stretch>
-              <a:fillRect l="0" t="0" r="0" b="0"/>
+              <a:fillRect/>
             </a:stretch>
           </a:blipFill>
         </p:spPr>
       </p:sp>
       <p:sp>
         <p:nvSpPr>
-          <p:cNvPr name="TextBox 8" id="8"/>
-          <p:cNvSpPr txBox="true"/>
+          <p:cNvPr id="8" name="TextBox 8"/>
+          <p:cNvSpPr txBox="1"/>
           <p:nvPr/>
         </p:nvSpPr>
         <p:spPr>
-          <a:xfrm rot="0">
+          <a:xfrm>
             <a:off x="4017780" y="2159513"/>
             <a:ext cx="10200643" cy="2590800"/>
           </a:xfrm>
@@ -8085,7 +8031,7 @@
           </a:prstGeom>
         </p:spPr>
         <p:txBody>
-          <a:bodyPr anchor="t" rtlCol="false" tIns="0" lIns="0" bIns="0" rIns="0">
+          <a:bodyPr lIns="0" tIns="0" rIns="0" bIns="0" rtlCol="0" anchor="t">
             <a:spAutoFit/>
           </a:bodyPr>
           <a:lstStyle/>
@@ -8095,6 +8041,15 @@
                 <a:spcPts val="10200"/>
               </a:lnSpc>
             </a:pPr>
+            <a:r>
+              <a:rPr lang="en-US" sz="8500" dirty="0">
+                <a:solidFill>
+                  <a:srgbClr val="003EA8"/>
+                </a:solidFill>
+                <a:latin typeface="Muli Bold"/>
+              </a:rPr>
+              <a:t>THANKS FOR </a:t>
+            </a:r>
             <a:r>
               <a:rPr lang="en-US" sz="8500">
                 <a:solidFill>
@@ -8102,19 +8057,25 @@
                 </a:solidFill>
                 <a:latin typeface="Muli Bold"/>
               </a:rPr>
-              <a:t>THANKS FOR YOUR REVIEWING!</a:t>
+              <a:t>YOUR LISTENING!</a:t>
             </a:r>
+            <a:endParaRPr lang="en-US" sz="8500" dirty="0">
+              <a:solidFill>
+                <a:srgbClr val="003EA8"/>
+              </a:solidFill>
+              <a:latin typeface="Muli Bold"/>
+            </a:endParaRPr>
           </a:p>
         </p:txBody>
       </p:sp>
       <p:sp>
         <p:nvSpPr>
-          <p:cNvPr name="Freeform 9" id="9"/>
+          <p:cNvPr id="9" name="Freeform 9"/>
           <p:cNvSpPr/>
           <p:nvPr/>
         </p:nvSpPr>
         <p:spPr>
-          <a:xfrm flipH="false" flipV="false" rot="0">
+          <a:xfrm>
             <a:off x="-517834" y="389330"/>
             <a:ext cx="3927179" cy="1392364"/>
           </a:xfrm>
@@ -8123,9 +8084,9 @@
             <a:gdLst/>
             <a:ahLst/>
             <a:cxnLst/>
-            <a:rect r="r" b="b" t="t" l="l"/>
+            <a:rect l="l" t="t" r="r" b="b"/>
             <a:pathLst>
-              <a:path h="1392364" w="3927179">
+              <a:path w="3927179" h="1392364">
                 <a:moveTo>
                   <a:pt x="0" y="0"/>
                 </a:moveTo>
@@ -8154,19 +8115,19 @@
               </a:extLst>
             </a:blip>
             <a:stretch>
-              <a:fillRect l="0" t="0" r="0" b="0"/>
+              <a:fillRect/>
             </a:stretch>
           </a:blipFill>
         </p:spPr>
       </p:sp>
       <p:sp>
         <p:nvSpPr>
-          <p:cNvPr name="Freeform 10" id="10"/>
+          <p:cNvPr id="10" name="Freeform 10"/>
           <p:cNvSpPr/>
           <p:nvPr/>
         </p:nvSpPr>
         <p:spPr>
-          <a:xfrm flipH="false" flipV="false" rot="0">
+          <a:xfrm>
             <a:off x="14826857" y="8505307"/>
             <a:ext cx="3927179" cy="1392364"/>
           </a:xfrm>
@@ -8175,9 +8136,9 @@
             <a:gdLst/>
             <a:ahLst/>
             <a:cxnLst/>
-            <a:rect r="r" b="b" t="t" l="l"/>
+            <a:rect l="l" t="t" r="r" b="b"/>
             <a:pathLst>
-              <a:path h="1392364" w="3927179">
+              <a:path w="3927179" h="1392364">
                 <a:moveTo>
                   <a:pt x="0" y="0"/>
                 </a:moveTo>
@@ -8206,19 +8167,19 @@
               </a:extLst>
             </a:blip>
             <a:stretch>
-              <a:fillRect l="0" t="0" r="0" b="0"/>
+              <a:fillRect/>
             </a:stretch>
           </a:blipFill>
         </p:spPr>
       </p:sp>
       <p:sp>
         <p:nvSpPr>
-          <p:cNvPr name="Freeform 11" id="11"/>
+          <p:cNvPr id="11" name="Freeform 11"/>
           <p:cNvSpPr/>
           <p:nvPr/>
         </p:nvSpPr>
         <p:spPr>
-          <a:xfrm flipH="false" flipV="false" rot="0">
+          <a:xfrm>
             <a:off x="1994337" y="5619813"/>
             <a:ext cx="441616" cy="633141"/>
           </a:xfrm>
@@ -8227,9 +8188,9 @@
             <a:gdLst/>
             <a:ahLst/>
             <a:cxnLst/>
-            <a:rect r="r" b="b" t="t" l="l"/>
+            <a:rect l="l" t="t" r="r" b="b"/>
             <a:pathLst>
-              <a:path h="633141" w="441616">
+              <a:path w="441616" h="633141">
                 <a:moveTo>
                   <a:pt x="0" y="0"/>
                 </a:moveTo>
@@ -8258,19 +8219,19 @@
               </a:extLst>
             </a:blip>
             <a:stretch>
-              <a:fillRect l="0" t="0" r="0" b="0"/>
+              <a:fillRect/>
             </a:stretch>
           </a:blipFill>
         </p:spPr>
       </p:sp>
       <p:sp>
         <p:nvSpPr>
-          <p:cNvPr name="Freeform 12" id="12"/>
+          <p:cNvPr id="12" name="Freeform 12"/>
           <p:cNvSpPr/>
           <p:nvPr/>
         </p:nvSpPr>
         <p:spPr>
-          <a:xfrm flipH="false" flipV="false" rot="0">
+          <a:xfrm>
             <a:off x="6462058" y="4510359"/>
             <a:ext cx="441616" cy="633141"/>
           </a:xfrm>
@@ -8279,9 +8240,9 @@
             <a:gdLst/>
             <a:ahLst/>
             <a:cxnLst/>
-            <a:rect r="r" b="b" t="t" l="l"/>
+            <a:rect l="l" t="t" r="r" b="b"/>
             <a:pathLst>
-              <a:path h="633141" w="441616">
+              <a:path w="441616" h="633141">
                 <a:moveTo>
                   <a:pt x="0" y="0"/>
                 </a:moveTo>
@@ -8310,7 +8271,7 @@
               </a:extLst>
             </a:blip>
             <a:stretch>
-              <a:fillRect l="0" t="0" r="0" b="0"/>
+              <a:fillRect/>
             </a:stretch>
           </a:blipFill>
         </p:spPr>
